--- a/스크립트언어 텀프로젝트 최종 보고서_2016182027.pptx
+++ b/스크립트언어 텀프로젝트 최종 보고서_2016182027.pptx
@@ -3666,6 +3666,13 @@
   <p:clrMapOvr>
     <a:masterClrMapping/>
   </p:clrMapOvr>
+  <p:timing>
+    <p:tnLst>
+      <p:par>
+        <p:cTn id="1" dur="indefinite" restart="never" nodeType="tmRoot"/>
+      </p:par>
+    </p:tnLst>
+  </p:timing>
 </p:sld>
 </file>
 
@@ -3887,7 +3894,7 @@
         <p:spPr>
           <a:xfrm>
             <a:off x="892777" y="1738440"/>
-            <a:ext cx="5203224" cy="1343381"/>
+            <a:ext cx="5203224" cy="1384995"/>
           </a:xfrm>
           <a:prstGeom prst="rect">
             <a:avLst/>
@@ -3906,18 +3913,18 @@
               <a:buAutoNum type="arabicPeriod"/>
             </a:pPr>
             <a:r>
-              <a:rPr lang="en-US" altLang="ko-KR" sz="1400" dirty="0" err="1">
-                <a:solidFill>
-                  <a:prstClr val="black">
-                    <a:lumMod val="75000"/>
-                    <a:lumOff val="25000"/>
-                  </a:prstClr>
-                </a:solidFill>
-              </a:rPr>
-              <a:t>Webbrower</a:t>
-            </a:r>
-            <a:r>
-              <a:rPr lang="en-US" altLang="ko-KR" sz="1400" dirty="0">
+              <a:rPr lang="en-US" altLang="ko-KR" sz="1400" dirty="0" err="1" smtClean="0">
+                <a:solidFill>
+                  <a:prstClr val="black">
+                    <a:lumMod val="75000"/>
+                    <a:lumOff val="25000"/>
+                  </a:prstClr>
+                </a:solidFill>
+              </a:rPr>
+              <a:t>webbrower</a:t>
+            </a:r>
+            <a:r>
+              <a:rPr lang="en-US" altLang="ko-KR" sz="1400" dirty="0" smtClean="0">
                 <a:solidFill>
                   <a:prstClr val="black">
                     <a:lumMod val="75000"/>
@@ -4019,6 +4026,13 @@
   <p:clrMapOvr>
     <a:masterClrMapping/>
   </p:clrMapOvr>
+  <p:timing>
+    <p:tnLst>
+      <p:par>
+        <p:cTn id="1" dur="indefinite" restart="never" nodeType="tmRoot"/>
+      </p:par>
+    </p:tnLst>
+  </p:timing>
 </p:sld>
 </file>
 
@@ -4245,7 +4259,7 @@
         <p:spPr>
           <a:xfrm>
             <a:off x="892777" y="1738440"/>
-            <a:ext cx="5203224" cy="3605539"/>
+            <a:ext cx="5203224" cy="4616648"/>
           </a:xfrm>
           <a:prstGeom prst="rect">
             <a:avLst/>
@@ -4264,18 +4278,18 @@
               <a:buAutoNum type="arabicPeriod"/>
             </a:pPr>
             <a:r>
-              <a:rPr lang="en-US" altLang="ko-KR" sz="1400" dirty="0" err="1">
-                <a:solidFill>
-                  <a:prstClr val="black">
-                    <a:lumMod val="75000"/>
-                    <a:lumOff val="25000"/>
-                  </a:prstClr>
-                </a:solidFill>
-              </a:rPr>
-              <a:t>Telepot</a:t>
-            </a:r>
-            <a:r>
-              <a:rPr lang="en-US" altLang="ko-KR" sz="1400" dirty="0">
+              <a:rPr lang="en-US" altLang="ko-KR" sz="1400" dirty="0" err="1" smtClean="0">
+                <a:solidFill>
+                  <a:prstClr val="black">
+                    <a:lumMod val="75000"/>
+                    <a:lumOff val="25000"/>
+                  </a:prstClr>
+                </a:solidFill>
+              </a:rPr>
+              <a:t>telepot</a:t>
+            </a:r>
+            <a:r>
+              <a:rPr lang="en-US" altLang="ko-KR" sz="1400" dirty="0" smtClean="0">
                 <a:solidFill>
                   <a:prstClr val="black">
                     <a:lumMod val="75000"/>
@@ -4600,7 +4614,7 @@
               <a:t>파싱하였습니다</a:t>
             </a:r>
             <a:r>
-              <a:rPr lang="en-US" altLang="ko-KR" sz="1400" dirty="0">
+              <a:rPr lang="en-US" altLang="ko-KR" sz="1400" dirty="0" smtClean="0">
                 <a:solidFill>
                   <a:prstClr val="black">
                     <a:lumMod val="75000"/>
@@ -4610,6 +4624,192 @@
               </a:rPr>
               <a:t>.</a:t>
             </a:r>
+          </a:p>
+          <a:p>
+            <a:pPr marL="342900" indent="-342900">
+              <a:lnSpc>
+                <a:spcPct val="150000"/>
+              </a:lnSpc>
+              <a:buAutoNum type="arabicPeriod"/>
+            </a:pPr>
+            <a:endParaRPr lang="en-US" altLang="ko-KR" sz="1400" dirty="0">
+              <a:solidFill>
+                <a:prstClr val="black">
+                  <a:lumMod val="75000"/>
+                  <a:lumOff val="25000"/>
+                </a:prstClr>
+              </a:solidFill>
+            </a:endParaRPr>
+          </a:p>
+          <a:p>
+            <a:pPr marL="342900" indent="-342900">
+              <a:lnSpc>
+                <a:spcPct val="150000"/>
+              </a:lnSpc>
+              <a:buAutoNum type="arabicPeriod"/>
+            </a:pPr>
+            <a:r>
+              <a:rPr lang="en-US" altLang="ko-KR" sz="1400" dirty="0" err="1" smtClean="0">
+                <a:solidFill>
+                  <a:prstClr val="black">
+                    <a:lumMod val="75000"/>
+                    <a:lumOff val="25000"/>
+                  </a:prstClr>
+                </a:solidFill>
+              </a:rPr>
+              <a:t>webbrowser</a:t>
+            </a:r>
+            <a:r>
+              <a:rPr lang="en-US" altLang="ko-KR" sz="1400" dirty="0" smtClean="0">
+                <a:solidFill>
+                  <a:prstClr val="black">
+                    <a:lumMod val="75000"/>
+                    <a:lumOff val="25000"/>
+                  </a:prstClr>
+                </a:solidFill>
+              </a:rPr>
+              <a:t>, </a:t>
+            </a:r>
+            <a:r>
+              <a:rPr lang="en-US" altLang="ko-KR" sz="1400" dirty="0" err="1" smtClean="0">
+                <a:solidFill>
+                  <a:prstClr val="black">
+                    <a:lumMod val="75000"/>
+                    <a:lumOff val="25000"/>
+                  </a:prstClr>
+                </a:solidFill>
+              </a:rPr>
+              <a:t>beautifulSoup</a:t>
+            </a:r>
+            <a:r>
+              <a:rPr lang="en-US" altLang="ko-KR" sz="1400" dirty="0" smtClean="0">
+                <a:solidFill>
+                  <a:prstClr val="black">
+                    <a:lumMod val="75000"/>
+                    <a:lumOff val="25000"/>
+                  </a:prstClr>
+                </a:solidFill>
+              </a:rPr>
+              <a:t>, </a:t>
+            </a:r>
+            <a:r>
+              <a:rPr lang="en-US" altLang="ko-KR" sz="1400" dirty="0" err="1" smtClean="0">
+                <a:solidFill>
+                  <a:prstClr val="black">
+                    <a:lumMod val="75000"/>
+                    <a:lumOff val="25000"/>
+                  </a:prstClr>
+                </a:solidFill>
+              </a:rPr>
+              <a:t>json</a:t>
+            </a:r>
+            <a:r>
+              <a:rPr lang="en-US" altLang="ko-KR" sz="1400" dirty="0" smtClean="0">
+                <a:solidFill>
+                  <a:prstClr val="black">
+                    <a:lumMod val="75000"/>
+                    <a:lumOff val="25000"/>
+                  </a:prstClr>
+                </a:solidFill>
+              </a:rPr>
+              <a:t>, </a:t>
+            </a:r>
+            <a:r>
+              <a:rPr lang="en-US" altLang="ko-KR" sz="1400" dirty="0" err="1" smtClean="0">
+                <a:solidFill>
+                  <a:prstClr val="black">
+                    <a:lumMod val="75000"/>
+                    <a:lumOff val="25000"/>
+                  </a:prstClr>
+                </a:solidFill>
+              </a:rPr>
+              <a:t>datetime</a:t>
+            </a:r>
+            <a:r>
+              <a:rPr lang="en-US" altLang="ko-KR" sz="1400" dirty="0" smtClean="0">
+                <a:solidFill>
+                  <a:prstClr val="black">
+                    <a:lumMod val="75000"/>
+                    <a:lumOff val="25000"/>
+                  </a:prstClr>
+                </a:solidFill>
+              </a:rPr>
+              <a:t> </a:t>
+            </a:r>
+            <a:r>
+              <a:rPr lang="ko-KR" altLang="en-US" sz="1400" dirty="0" smtClean="0">
+                <a:solidFill>
+                  <a:prstClr val="black">
+                    <a:lumMod val="75000"/>
+                    <a:lumOff val="25000"/>
+                  </a:prstClr>
+                </a:solidFill>
+              </a:rPr>
+              <a:t>모듈 등을 </a:t>
+            </a:r>
+            <a:r>
+              <a:rPr lang="en-US" altLang="ko-KR" sz="1400" dirty="0" smtClean="0">
+                <a:solidFill>
+                  <a:prstClr val="black">
+                    <a:lumMod val="75000"/>
+                    <a:lumOff val="25000"/>
+                  </a:prstClr>
+                </a:solidFill>
+              </a:rPr>
+              <a:t>import</a:t>
+            </a:r>
+            <a:r>
+              <a:rPr lang="ko-KR" altLang="en-US" sz="1400" dirty="0" smtClean="0">
+                <a:solidFill>
+                  <a:prstClr val="black">
+                    <a:lumMod val="75000"/>
+                    <a:lumOff val="25000"/>
+                  </a:prstClr>
+                </a:solidFill>
+              </a:rPr>
+              <a:t>하여 </a:t>
+            </a:r>
+            <a:r>
+              <a:rPr lang="ko-KR" altLang="en-US" sz="1400" dirty="0" err="1" smtClean="0">
+                <a:solidFill>
+                  <a:prstClr val="black">
+                    <a:lumMod val="75000"/>
+                    <a:lumOff val="25000"/>
+                  </a:prstClr>
+                </a:solidFill>
+              </a:rPr>
+              <a:t>텔레그램에</a:t>
+            </a:r>
+            <a:r>
+              <a:rPr lang="ko-KR" altLang="en-US" sz="1400" dirty="0" smtClean="0">
+                <a:solidFill>
+                  <a:prstClr val="black">
+                    <a:lumMod val="75000"/>
+                    <a:lumOff val="25000"/>
+                  </a:prstClr>
+                </a:solidFill>
+              </a:rPr>
+              <a:t> 필요한 기능을 구현하였습니다</a:t>
+            </a:r>
+            <a:r>
+              <a:rPr lang="en-US" altLang="ko-KR" sz="1400" dirty="0" smtClean="0">
+                <a:solidFill>
+                  <a:prstClr val="black">
+                    <a:lumMod val="75000"/>
+                    <a:lumOff val="25000"/>
+                  </a:prstClr>
+                </a:solidFill>
+              </a:rPr>
+              <a:t>. </a:t>
+            </a:r>
+            <a:endParaRPr lang="en-US" altLang="ko-KR" sz="1400" dirty="0">
+              <a:solidFill>
+                <a:prstClr val="black">
+                  <a:lumMod val="75000"/>
+                  <a:lumOff val="25000"/>
+                </a:prstClr>
+              </a:solidFill>
+            </a:endParaRPr>
           </a:p>
         </p:txBody>
       </p:sp>
@@ -4623,6 +4823,13 @@
   <p:clrMapOvr>
     <a:masterClrMapping/>
   </p:clrMapOvr>
+  <p:timing>
+    <p:tnLst>
+      <p:par>
+        <p:cTn id="1" dur="indefinite" restart="never" nodeType="tmRoot"/>
+      </p:par>
+    </p:tnLst>
+  </p:timing>
 </p:sld>
 </file>
 
@@ -5246,6 +5453,13 @@
   <p:clrMapOvr>
     <a:masterClrMapping/>
   </p:clrMapOvr>
+  <p:timing>
+    <p:tnLst>
+      <p:par>
+        <p:cTn id="1" dur="indefinite" restart="never" nodeType="tmRoot"/>
+      </p:par>
+    </p:tnLst>
+  </p:timing>
 </p:sld>
 </file>
 
@@ -6427,6 +6641,13 @@
   <p:clrMapOvr>
     <a:masterClrMapping/>
   </p:clrMapOvr>
+  <p:timing>
+    <p:tnLst>
+      <p:par>
+        <p:cTn id="1" dur="indefinite" restart="never" nodeType="tmRoot"/>
+      </p:par>
+    </p:tnLst>
+  </p:timing>
 </p:sld>
 </file>
 
@@ -7138,7 +7359,7 @@
         <p:spPr>
           <a:xfrm>
             <a:off x="3062205" y="4482807"/>
-            <a:ext cx="6710969" cy="1030603"/>
+            <a:ext cx="6710969" cy="1304203"/>
           </a:xfrm>
           <a:prstGeom prst="rect">
             <a:avLst/>
@@ -7244,7 +7465,7 @@
               <a:t> 수업이며 한 학기였습니다</a:t>
             </a:r>
             <a:r>
-              <a:rPr lang="en-US" altLang="ko-KR" sz="1050" dirty="0">
+              <a:rPr lang="en-US" altLang="ko-KR" sz="1050" dirty="0" smtClean="0">
                 <a:solidFill>
                   <a:prstClr val="black">
                     <a:lumMod val="75000"/>
@@ -7253,6 +7474,61 @@
                 </a:solidFill>
               </a:rPr>
               <a:t>. </a:t>
+            </a:r>
+            <a:r>
+              <a:rPr lang="ko-KR" altLang="en-US" sz="1050" dirty="0" smtClean="0">
+                <a:solidFill>
+                  <a:prstClr val="black">
+                    <a:lumMod val="75000"/>
+                    <a:lumOff val="25000"/>
+                  </a:prstClr>
+                </a:solidFill>
+              </a:rPr>
+              <a:t>아쉬운 점이 있다면 병원 정보에 관한 </a:t>
+            </a:r>
+            <a:r>
+              <a:rPr lang="en-US" altLang="ko-KR" sz="1050" dirty="0" smtClean="0">
+                <a:solidFill>
+                  <a:prstClr val="black">
+                    <a:lumMod val="75000"/>
+                    <a:lumOff val="25000"/>
+                  </a:prstClr>
+                </a:solidFill>
+              </a:rPr>
+              <a:t>API</a:t>
+            </a:r>
+            <a:r>
+              <a:rPr lang="ko-KR" altLang="en-US" sz="1050" dirty="0" smtClean="0">
+                <a:solidFill>
+                  <a:prstClr val="black">
+                    <a:lumMod val="75000"/>
+                    <a:lumOff val="25000"/>
+                  </a:prstClr>
+                </a:solidFill>
+              </a:rPr>
+              <a:t>의 오류로 인해 기능을 보여드리지 못한 점이 많이 아쉬웠습니다</a:t>
+            </a:r>
+            <a:r>
+              <a:rPr lang="en-US" altLang="ko-KR" sz="1050" dirty="0" smtClean="0">
+                <a:solidFill>
+                  <a:prstClr val="black">
+                    <a:lumMod val="75000"/>
+                    <a:lumOff val="25000"/>
+                  </a:prstClr>
+                </a:solidFill>
+              </a:rPr>
+              <a:t>.</a:t>
+            </a:r>
+            <a:r>
+              <a:rPr lang="en-US" altLang="ko-KR" sz="1050" dirty="0" smtClean="0">
+                <a:solidFill>
+                  <a:prstClr val="black">
+                    <a:lumMod val="75000"/>
+                    <a:lumOff val="25000"/>
+                  </a:prstClr>
+                </a:solidFill>
+              </a:rPr>
+              <a:t> </a:t>
             </a:r>
             <a:r>
               <a:rPr lang="ko-KR" altLang="en-US" sz="1050" dirty="0">
@@ -7468,7 +7744,7 @@
         <p:spPr>
           <a:xfrm>
             <a:off x="3075574" y="2629443"/>
-            <a:ext cx="6710969" cy="788229"/>
+            <a:ext cx="6710969" cy="819455"/>
           </a:xfrm>
           <a:prstGeom prst="rect">
             <a:avLst/>
@@ -7560,32 +7836,10 @@
                   </a:prstClr>
                 </a:solidFill>
               </a:rPr>
-              <a:t> 좋은 강의를 들을 수 있게 </a:t>
-            </a:r>
-            <a:r>
-              <a:rPr lang="ko-KR" altLang="en-US" sz="1050" dirty="0" err="1">
-                <a:solidFill>
-                  <a:prstClr val="black">
-                    <a:lumMod val="75000"/>
-                    <a:lumOff val="25000"/>
-                  </a:prstClr>
-                </a:solidFill>
-              </a:rPr>
-              <a:t>해주셔서</a:t>
-            </a:r>
-            <a:r>
-              <a:rPr lang="ko-KR" altLang="en-US" sz="1050" dirty="0">
-                <a:solidFill>
-                  <a:prstClr val="black">
-                    <a:lumMod val="75000"/>
-                    <a:lumOff val="25000"/>
-                  </a:prstClr>
-                </a:solidFill>
-              </a:rPr>
-              <a:t> 감사합니다</a:t>
-            </a:r>
-            <a:r>
-              <a:rPr lang="en-US" altLang="ko-KR" sz="1050" dirty="0">
+              <a:t> 좋은 강의를 들을 수 있게 해주셔서 감사합니다</a:t>
+            </a:r>
+            <a:r>
+              <a:rPr lang="en-US" altLang="ko-KR" sz="1050" smtClean="0">
                 <a:solidFill>
                   <a:prstClr val="black">
                     <a:lumMod val="75000"/>
@@ -7595,6 +7849,14 @@
               </a:rPr>
               <a:t>.</a:t>
             </a:r>
+            <a:endParaRPr lang="en-US" altLang="ko-KR" sz="1050" dirty="0">
+              <a:solidFill>
+                <a:prstClr val="black">
+                  <a:lumMod val="75000"/>
+                  <a:lumOff val="25000"/>
+                </a:prstClr>
+              </a:solidFill>
+            </a:endParaRPr>
           </a:p>
         </p:txBody>
       </p:sp>
@@ -7608,6 +7870,13 @@
   <p:clrMapOvr>
     <a:masterClrMapping/>
   </p:clrMapOvr>
+  <p:timing>
+    <p:tnLst>
+      <p:par>
+        <p:cTn id="1" dur="indefinite" restart="never" nodeType="tmRoot"/>
+      </p:par>
+    </p:tnLst>
+  </p:timing>
 </p:sld>
 </file>
 
@@ -13163,6 +13432,13 @@
   <p:clrMapOvr>
     <a:masterClrMapping/>
   </p:clrMapOvr>
+  <p:timing>
+    <p:tnLst>
+      <p:par>
+        <p:cTn id="1" dur="indefinite" restart="never" nodeType="tmRoot"/>
+      </p:par>
+    </p:tnLst>
+  </p:timing>
 </p:sld>
 </file>
 
@@ -16594,6 +16870,13 @@
   <p:clrMapOvr>
     <a:masterClrMapping/>
   </p:clrMapOvr>
+  <p:timing>
+    <p:tnLst>
+      <p:par>
+        <p:cTn id="1" dur="indefinite" restart="never" nodeType="tmRoot"/>
+      </p:par>
+    </p:tnLst>
+  </p:timing>
 </p:sld>
 </file>
 
@@ -17887,6 +18170,13 @@
   <p:clrMapOvr>
     <a:masterClrMapping/>
   </p:clrMapOvr>
+  <p:timing>
+    <p:tnLst>
+      <p:par>
+        <p:cTn id="1" dur="indefinite" restart="never" nodeType="tmRoot"/>
+      </p:par>
+    </p:tnLst>
+  </p:timing>
 </p:sld>
 </file>
 
@@ -17922,7 +18212,7 @@
         <p:spPr>
           <a:xfrm>
             <a:off x="892776" y="1738440"/>
-            <a:ext cx="8075055" cy="4600575"/>
+            <a:ext cx="8075055" cy="4875302"/>
           </a:xfrm>
           <a:prstGeom prst="rect">
             <a:avLst/>
@@ -17941,6 +18231,927 @@
               <a:buAutoNum type="arabicPeriod"/>
             </a:pPr>
             <a:r>
+              <a:rPr lang="en-US" altLang="ko-KR" sz="1200" dirty="0">
+                <a:solidFill>
+                  <a:prstClr val="black">
+                    <a:lumMod val="75000"/>
+                    <a:lumOff val="25000"/>
+                  </a:prstClr>
+                </a:solidFill>
+              </a:rPr>
+              <a:t>h</a:t>
+            </a:r>
+            <a:r>
+              <a:rPr lang="en-US" altLang="ko-KR" sz="1200" dirty="0" smtClean="0">
+                <a:solidFill>
+                  <a:prstClr val="black">
+                    <a:lumMod val="75000"/>
+                    <a:lumOff val="25000"/>
+                  </a:prstClr>
+                </a:solidFill>
+              </a:rPr>
+              <a:t>ome.py </a:t>
+            </a:r>
+            <a:r>
+              <a:rPr lang="ko-KR" altLang="en-US" sz="1200" dirty="0" smtClean="0">
+                <a:solidFill>
+                  <a:prstClr val="black">
+                    <a:lumMod val="75000"/>
+                    <a:lumOff val="25000"/>
+                  </a:prstClr>
+                </a:solidFill>
+              </a:rPr>
+              <a:t>를 실행시킵니다</a:t>
+            </a:r>
+            <a:r>
+              <a:rPr lang="en-US" altLang="ko-KR" sz="1200" dirty="0" smtClean="0">
+                <a:solidFill>
+                  <a:prstClr val="black">
+                    <a:lumMod val="75000"/>
+                    <a:lumOff val="25000"/>
+                  </a:prstClr>
+                </a:solidFill>
+              </a:rPr>
+              <a:t>.</a:t>
+            </a:r>
+          </a:p>
+          <a:p>
+            <a:pPr marL="342900" indent="-342900">
+              <a:lnSpc>
+                <a:spcPct val="150000"/>
+              </a:lnSpc>
+              <a:buAutoNum type="arabicPeriod"/>
+            </a:pPr>
+            <a:endParaRPr lang="en-US" altLang="ko-KR" sz="1200" dirty="0" smtClean="0">
+              <a:solidFill>
+                <a:prstClr val="black">
+                  <a:lumMod val="75000"/>
+                  <a:lumOff val="25000"/>
+                </a:prstClr>
+              </a:solidFill>
+            </a:endParaRPr>
+          </a:p>
+          <a:p>
+            <a:pPr marL="342900" indent="-342900">
+              <a:lnSpc>
+                <a:spcPct val="150000"/>
+              </a:lnSpc>
+              <a:buAutoNum type="arabicPeriod"/>
+            </a:pPr>
+            <a:r>
+              <a:rPr lang="ko-KR" altLang="en-US" sz="1200" dirty="0" smtClean="0">
+                <a:solidFill>
+                  <a:prstClr val="black">
+                    <a:lumMod val="75000"/>
+                    <a:lumOff val="25000"/>
+                  </a:prstClr>
+                </a:solidFill>
+              </a:rPr>
+              <a:t>첫번째 </a:t>
+            </a:r>
+            <a:r>
+              <a:rPr lang="ko-KR" altLang="en-US" sz="1200" dirty="0">
+                <a:solidFill>
+                  <a:prstClr val="black">
+                    <a:lumMod val="75000"/>
+                    <a:lumOff val="25000"/>
+                  </a:prstClr>
+                </a:solidFill>
+              </a:rPr>
+              <a:t>버튼을 클릭하면 해외 코로나 발생 현황 그래프를 보여주도록 하였습니다</a:t>
+            </a:r>
+            <a:r>
+              <a:rPr lang="en-US" altLang="ko-KR" sz="1200" dirty="0">
+                <a:solidFill>
+                  <a:prstClr val="black">
+                    <a:lumMod val="75000"/>
+                    <a:lumOff val="25000"/>
+                  </a:prstClr>
+                </a:solidFill>
+              </a:rPr>
+              <a:t>.</a:t>
+            </a:r>
+          </a:p>
+          <a:p>
+            <a:pPr marL="342900" indent="-342900">
+              <a:lnSpc>
+                <a:spcPct val="150000"/>
+              </a:lnSpc>
+              <a:buAutoNum type="arabicPeriod"/>
+            </a:pPr>
+            <a:endParaRPr lang="en-US" altLang="ko-KR" sz="1200" dirty="0">
+              <a:solidFill>
+                <a:prstClr val="black">
+                  <a:lumMod val="75000"/>
+                  <a:lumOff val="25000"/>
+                </a:prstClr>
+              </a:solidFill>
+            </a:endParaRPr>
+          </a:p>
+          <a:p>
+            <a:pPr marL="342900" indent="-342900">
+              <a:lnSpc>
+                <a:spcPct val="150000"/>
+              </a:lnSpc>
+              <a:buAutoNum type="arabicPeriod"/>
+            </a:pPr>
+            <a:r>
+              <a:rPr lang="ko-KR" altLang="en-US" sz="1200" dirty="0">
+                <a:solidFill>
+                  <a:prstClr val="black">
+                    <a:lumMod val="75000"/>
+                    <a:lumOff val="25000"/>
+                  </a:prstClr>
+                </a:solidFill>
+              </a:rPr>
+              <a:t>두번째 버튼을 클릭하면 국내 코로나 최근 </a:t>
+            </a:r>
+            <a:r>
+              <a:rPr lang="ko-KR" altLang="en-US" sz="1200" dirty="0" err="1">
+                <a:solidFill>
+                  <a:prstClr val="black">
+                    <a:lumMod val="75000"/>
+                    <a:lumOff val="25000"/>
+                  </a:prstClr>
+                </a:solidFill>
+              </a:rPr>
+              <a:t>날짜별</a:t>
+            </a:r>
+            <a:r>
+              <a:rPr lang="ko-KR" altLang="en-US" sz="1200" dirty="0">
+                <a:solidFill>
+                  <a:prstClr val="black">
+                    <a:lumMod val="75000"/>
+                    <a:lumOff val="25000"/>
+                  </a:prstClr>
+                </a:solidFill>
+              </a:rPr>
+              <a:t> </a:t>
+            </a:r>
+            <a:r>
+              <a:rPr lang="ko-KR" altLang="en-US" sz="1200" dirty="0" err="1">
+                <a:solidFill>
+                  <a:prstClr val="black">
+                    <a:lumMod val="75000"/>
+                    <a:lumOff val="25000"/>
+                  </a:prstClr>
+                </a:solidFill>
+              </a:rPr>
+              <a:t>확진자</a:t>
+            </a:r>
+            <a:r>
+              <a:rPr lang="ko-KR" altLang="en-US" sz="1200" dirty="0">
+                <a:solidFill>
+                  <a:prstClr val="black">
+                    <a:lumMod val="75000"/>
+                    <a:lumOff val="25000"/>
+                  </a:prstClr>
+                </a:solidFill>
+              </a:rPr>
+              <a:t> 수와 가장 많은 시</a:t>
+            </a:r>
+            <a:r>
+              <a:rPr lang="en-US" altLang="ko-KR" sz="1200" dirty="0">
+                <a:solidFill>
+                  <a:prstClr val="black">
+                    <a:lumMod val="75000"/>
+                    <a:lumOff val="25000"/>
+                  </a:prstClr>
+                </a:solidFill>
+              </a:rPr>
+              <a:t>.</a:t>
+            </a:r>
+            <a:r>
+              <a:rPr lang="ko-KR" altLang="en-US" sz="1200" dirty="0">
+                <a:solidFill>
+                  <a:prstClr val="black">
+                    <a:lumMod val="75000"/>
+                    <a:lumOff val="25000"/>
+                  </a:prstClr>
+                </a:solidFill>
+              </a:rPr>
+              <a:t>도별 </a:t>
+            </a:r>
+            <a:r>
+              <a:rPr lang="ko-KR" altLang="en-US" sz="1200" dirty="0" err="1">
+                <a:solidFill>
+                  <a:prstClr val="black">
+                    <a:lumMod val="75000"/>
+                    <a:lumOff val="25000"/>
+                  </a:prstClr>
+                </a:solidFill>
+              </a:rPr>
+              <a:t>확진자</a:t>
+            </a:r>
+            <a:r>
+              <a:rPr lang="ko-KR" altLang="en-US" sz="1200" dirty="0">
+                <a:solidFill>
+                  <a:prstClr val="black">
+                    <a:lumMod val="75000"/>
+                    <a:lumOff val="25000"/>
+                  </a:prstClr>
+                </a:solidFill>
+              </a:rPr>
+              <a:t> 수를 그래프로 만들었습니다</a:t>
+            </a:r>
+            <a:r>
+              <a:rPr lang="en-US" altLang="ko-KR" sz="1200" dirty="0">
+                <a:solidFill>
+                  <a:prstClr val="black">
+                    <a:lumMod val="75000"/>
+                    <a:lumOff val="25000"/>
+                  </a:prstClr>
+                </a:solidFill>
+              </a:rPr>
+              <a:t>.</a:t>
+            </a:r>
+          </a:p>
+          <a:p>
+            <a:pPr marL="342900" indent="-342900">
+              <a:lnSpc>
+                <a:spcPct val="150000"/>
+              </a:lnSpc>
+              <a:buAutoNum type="arabicPeriod"/>
+            </a:pPr>
+            <a:endParaRPr lang="en-US" altLang="ko-KR" sz="1200" dirty="0">
+              <a:solidFill>
+                <a:prstClr val="black">
+                  <a:lumMod val="75000"/>
+                  <a:lumOff val="25000"/>
+                </a:prstClr>
+              </a:solidFill>
+            </a:endParaRPr>
+          </a:p>
+          <a:p>
+            <a:pPr marL="342900" indent="-342900">
+              <a:lnSpc>
+                <a:spcPct val="150000"/>
+              </a:lnSpc>
+              <a:buAutoNum type="arabicPeriod"/>
+            </a:pPr>
+            <a:r>
+              <a:rPr lang="ko-KR" altLang="en-US" sz="1200" dirty="0">
+                <a:solidFill>
+                  <a:prstClr val="black">
+                    <a:lumMod val="75000"/>
+                    <a:lumOff val="25000"/>
+                  </a:prstClr>
+                </a:solidFill>
+              </a:rPr>
+              <a:t>세번째 버튼을 클릭하면 주소를 입력할 수 있는 칸에 주소를 입력하면 그 주변의 공적 마스크 판매 현황을 알려주도록 하였습니다</a:t>
+            </a:r>
+            <a:r>
+              <a:rPr lang="en-US" altLang="ko-KR" sz="1200" dirty="0">
+                <a:solidFill>
+                  <a:prstClr val="black">
+                    <a:lumMod val="75000"/>
+                    <a:lumOff val="25000"/>
+                  </a:prstClr>
+                </a:solidFill>
+              </a:rPr>
+              <a:t>.</a:t>
+            </a:r>
+          </a:p>
+          <a:p>
+            <a:pPr marL="342900" indent="-342900">
+              <a:lnSpc>
+                <a:spcPct val="150000"/>
+              </a:lnSpc>
+              <a:buAutoNum type="arabicPeriod"/>
+            </a:pPr>
+            <a:endParaRPr lang="en-US" altLang="ko-KR" sz="1200" dirty="0">
+              <a:solidFill>
+                <a:prstClr val="black">
+                  <a:lumMod val="75000"/>
+                  <a:lumOff val="25000"/>
+                </a:prstClr>
+              </a:solidFill>
+            </a:endParaRPr>
+          </a:p>
+          <a:p>
+            <a:pPr marL="342900" indent="-342900">
+              <a:lnSpc>
+                <a:spcPct val="150000"/>
+              </a:lnSpc>
+              <a:buAutoNum type="arabicPeriod"/>
+            </a:pPr>
+            <a:r>
+              <a:rPr lang="ko-KR" altLang="en-US" sz="1200" dirty="0">
+                <a:solidFill>
+                  <a:prstClr val="black">
+                    <a:lumMod val="75000"/>
+                    <a:lumOff val="25000"/>
+                  </a:prstClr>
+                </a:solidFill>
+              </a:rPr>
+              <a:t>네번째 버튼을 클릭하면 주소를 입력할 수 있는 칸이 있고 입력 시 주변에 있는 국민안심병원</a:t>
+            </a:r>
+            <a:r>
+              <a:rPr lang="en-US" altLang="ko-KR" sz="1200" dirty="0">
+                <a:solidFill>
+                  <a:prstClr val="black">
+                    <a:lumMod val="75000"/>
+                    <a:lumOff val="25000"/>
+                  </a:prstClr>
+                </a:solidFill>
+              </a:rPr>
+              <a:t>, </a:t>
+            </a:r>
+            <a:r>
+              <a:rPr lang="ko-KR" altLang="en-US" sz="1200" dirty="0">
+                <a:solidFill>
+                  <a:prstClr val="black">
+                    <a:lumMod val="75000"/>
+                    <a:lumOff val="25000"/>
+                  </a:prstClr>
+                </a:solidFill>
+              </a:rPr>
+              <a:t>코로나검사 실시기관</a:t>
+            </a:r>
+            <a:r>
+              <a:rPr lang="en-US" altLang="ko-KR" sz="1200" dirty="0">
+                <a:solidFill>
+                  <a:prstClr val="black">
+                    <a:lumMod val="75000"/>
+                    <a:lumOff val="25000"/>
+                  </a:prstClr>
+                </a:solidFill>
+              </a:rPr>
+              <a:t>, </a:t>
+            </a:r>
+            <a:r>
+              <a:rPr lang="ko-KR" altLang="en-US" sz="1200" dirty="0">
+                <a:solidFill>
+                  <a:prstClr val="black">
+                    <a:lumMod val="75000"/>
+                    <a:lumOff val="25000"/>
+                  </a:prstClr>
+                </a:solidFill>
+              </a:rPr>
+              <a:t>선별진료소 운영기관을 보여주도록 하였습니다</a:t>
+            </a:r>
+            <a:r>
+              <a:rPr lang="en-US" altLang="ko-KR" sz="1200" dirty="0">
+                <a:solidFill>
+                  <a:prstClr val="black">
+                    <a:lumMod val="75000"/>
+                    <a:lumOff val="25000"/>
+                  </a:prstClr>
+                </a:solidFill>
+              </a:rPr>
+              <a:t>.</a:t>
+            </a:r>
+          </a:p>
+          <a:p>
+            <a:pPr marL="342900" indent="-342900">
+              <a:lnSpc>
+                <a:spcPct val="150000"/>
+              </a:lnSpc>
+              <a:buAutoNum type="arabicPeriod"/>
+            </a:pPr>
+            <a:endParaRPr lang="en-US" altLang="ko-KR" sz="1200" dirty="0">
+              <a:solidFill>
+                <a:prstClr val="black">
+                  <a:lumMod val="75000"/>
+                  <a:lumOff val="25000"/>
+                </a:prstClr>
+              </a:solidFill>
+            </a:endParaRPr>
+          </a:p>
+          <a:p>
+            <a:pPr marL="342900" indent="-342900">
+              <a:lnSpc>
+                <a:spcPct val="150000"/>
+              </a:lnSpc>
+              <a:buAutoNum type="arabicPeriod"/>
+            </a:pPr>
+            <a:r>
+              <a:rPr lang="ko-KR" altLang="en-US" sz="1200" dirty="0" err="1">
+                <a:solidFill>
+                  <a:prstClr val="black">
+                    <a:lumMod val="75000"/>
+                    <a:lumOff val="25000"/>
+                  </a:prstClr>
+                </a:solidFill>
+              </a:rPr>
+              <a:t>다섯번째</a:t>
+            </a:r>
+            <a:r>
+              <a:rPr lang="ko-KR" altLang="en-US" sz="1200" dirty="0">
+                <a:solidFill>
+                  <a:prstClr val="black">
+                    <a:lumMod val="75000"/>
+                    <a:lumOff val="25000"/>
+                  </a:prstClr>
+                </a:solidFill>
+              </a:rPr>
+              <a:t> 버튼을 누르면 코로나 관련 기사를 볼 수 있게 네이버 인터넷 뉴스를 띄워줍니다</a:t>
+            </a:r>
+            <a:r>
+              <a:rPr lang="en-US" altLang="ko-KR" sz="1200" dirty="0">
+                <a:solidFill>
+                  <a:prstClr val="black">
+                    <a:lumMod val="75000"/>
+                    <a:lumOff val="25000"/>
+                  </a:prstClr>
+                </a:solidFill>
+              </a:rPr>
+              <a:t>.</a:t>
+            </a:r>
+          </a:p>
+          <a:p>
+            <a:pPr marL="342900" indent="-342900">
+              <a:lnSpc>
+                <a:spcPct val="150000"/>
+              </a:lnSpc>
+              <a:buAutoNum type="arabicPeriod"/>
+            </a:pPr>
+            <a:endParaRPr lang="en-US" altLang="ko-KR" sz="1200" dirty="0">
+              <a:solidFill>
+                <a:prstClr val="black">
+                  <a:lumMod val="75000"/>
+                  <a:lumOff val="25000"/>
+                </a:prstClr>
+              </a:solidFill>
+            </a:endParaRPr>
+          </a:p>
+          <a:p>
+            <a:pPr marL="342900" indent="-342900">
+              <a:lnSpc>
+                <a:spcPct val="150000"/>
+              </a:lnSpc>
+              <a:buAutoNum type="arabicPeriod"/>
+            </a:pPr>
+            <a:r>
+              <a:rPr lang="ko-KR" altLang="en-US" sz="1200" dirty="0">
+                <a:solidFill>
+                  <a:prstClr val="black">
+                    <a:lumMod val="75000"/>
+                    <a:lumOff val="25000"/>
+                  </a:prstClr>
+                </a:solidFill>
+              </a:rPr>
+              <a:t>마지막 버튼을 누르면 </a:t>
+            </a:r>
+            <a:r>
+              <a:rPr lang="ko-KR" altLang="en-US" sz="1200" dirty="0" err="1">
+                <a:solidFill>
+                  <a:prstClr val="black">
+                    <a:lumMod val="75000"/>
+                    <a:lumOff val="25000"/>
+                  </a:prstClr>
+                </a:solidFill>
+              </a:rPr>
+              <a:t>텔레그램</a:t>
+            </a:r>
+            <a:r>
+              <a:rPr lang="ko-KR" altLang="en-US" sz="1200" dirty="0">
+                <a:solidFill>
+                  <a:prstClr val="black">
+                    <a:lumMod val="75000"/>
+                    <a:lumOff val="25000"/>
+                  </a:prstClr>
+                </a:solidFill>
+              </a:rPr>
+              <a:t> 봇을 이용할 </a:t>
+            </a:r>
+            <a:r>
+              <a:rPr lang="ko-KR" altLang="en-US" sz="1200" dirty="0" smtClean="0">
+                <a:solidFill>
+                  <a:prstClr val="black">
+                    <a:lumMod val="75000"/>
+                    <a:lumOff val="25000"/>
+                  </a:prstClr>
+                </a:solidFill>
+              </a:rPr>
+              <a:t>수 있습니다</a:t>
+            </a:r>
+            <a:r>
+              <a:rPr lang="en-US" altLang="ko-KR" sz="1200" dirty="0" smtClean="0">
+                <a:solidFill>
+                  <a:prstClr val="black">
+                    <a:lumMod val="75000"/>
+                    <a:lumOff val="25000"/>
+                  </a:prstClr>
+                </a:solidFill>
+              </a:rPr>
+              <a:t>. </a:t>
+            </a:r>
+            <a:r>
+              <a:rPr lang="ko-KR" altLang="en-US" sz="1200" dirty="0" smtClean="0">
+                <a:solidFill>
+                  <a:prstClr val="black">
+                    <a:lumMod val="75000"/>
+                    <a:lumOff val="25000"/>
+                  </a:prstClr>
+                </a:solidFill>
+              </a:rPr>
+              <a:t>버튼을 누른 후 </a:t>
+            </a:r>
+            <a:r>
+              <a:rPr lang="ko-KR" altLang="en-US" sz="1200" dirty="0" err="1" smtClean="0">
+                <a:solidFill>
+                  <a:prstClr val="black">
+                    <a:lumMod val="75000"/>
+                    <a:lumOff val="25000"/>
+                  </a:prstClr>
+                </a:solidFill>
+              </a:rPr>
+              <a:t>텔레그램에서</a:t>
+            </a:r>
+            <a:r>
+              <a:rPr lang="ko-KR" altLang="en-US" sz="1200" dirty="0" smtClean="0">
+                <a:solidFill>
+                  <a:prstClr val="black">
+                    <a:lumMod val="75000"/>
+                    <a:lumOff val="25000"/>
+                  </a:prstClr>
+                </a:solidFill>
+              </a:rPr>
+              <a:t> </a:t>
+            </a:r>
+            <a:r>
+              <a:rPr lang="en-US" altLang="ko-KR" sz="1200" dirty="0" smtClean="0">
+                <a:solidFill>
+                  <a:prstClr val="black">
+                    <a:lumMod val="75000"/>
+                    <a:lumOff val="25000"/>
+                  </a:prstClr>
+                </a:solidFill>
+              </a:rPr>
+              <a:t>‘</a:t>
+            </a:r>
+            <a:r>
+              <a:rPr lang="ko-KR" altLang="en-US" sz="1200" dirty="0" smtClean="0">
+                <a:solidFill>
+                  <a:prstClr val="black">
+                    <a:lumMod val="75000"/>
+                    <a:lumOff val="25000"/>
+                  </a:prstClr>
+                </a:solidFill>
+              </a:rPr>
+              <a:t>마스크 </a:t>
+            </a:r>
+            <a:r>
+              <a:rPr lang="ko-KR" altLang="en-US" sz="1200" dirty="0" err="1" smtClean="0">
+                <a:solidFill>
+                  <a:prstClr val="black">
+                    <a:lumMod val="75000"/>
+                    <a:lumOff val="25000"/>
+                  </a:prstClr>
+                </a:solidFill>
+              </a:rPr>
+              <a:t>텔레그램</a:t>
+            </a:r>
+            <a:r>
+              <a:rPr lang="ko-KR" altLang="en-US" sz="1200" dirty="0" smtClean="0">
+                <a:solidFill>
+                  <a:prstClr val="black">
+                    <a:lumMod val="75000"/>
+                    <a:lumOff val="25000"/>
+                  </a:prstClr>
+                </a:solidFill>
+              </a:rPr>
+              <a:t> 봇</a:t>
+            </a:r>
+            <a:r>
+              <a:rPr lang="en-US" altLang="ko-KR" sz="1200" dirty="0" smtClean="0">
+                <a:solidFill>
+                  <a:prstClr val="black">
+                    <a:lumMod val="75000"/>
+                    <a:lumOff val="25000"/>
+                  </a:prstClr>
+                </a:solidFill>
+              </a:rPr>
+              <a:t>‘</a:t>
+            </a:r>
+            <a:r>
+              <a:rPr lang="ko-KR" altLang="en-US" sz="1200" dirty="0" smtClean="0">
+                <a:solidFill>
+                  <a:prstClr val="black">
+                    <a:lumMod val="75000"/>
+                    <a:lumOff val="25000"/>
+                  </a:prstClr>
+                </a:solidFill>
+              </a:rPr>
+              <a:t>을 검색 후 채팅을 시작하면 코로나에 관한 정보를 얻을 수 있습니다</a:t>
+            </a:r>
+            <a:r>
+              <a:rPr lang="en-US" altLang="ko-KR" sz="1200" dirty="0" smtClean="0">
+                <a:solidFill>
+                  <a:prstClr val="black">
+                    <a:lumMod val="75000"/>
+                    <a:lumOff val="25000"/>
+                  </a:prstClr>
+                </a:solidFill>
+              </a:rPr>
+              <a:t>.</a:t>
+            </a:r>
+            <a:endParaRPr lang="en-US" altLang="ko-KR" sz="1200" dirty="0">
+              <a:solidFill>
+                <a:prstClr val="black">
+                  <a:lumMod val="75000"/>
+                  <a:lumOff val="25000"/>
+                </a:prstClr>
+              </a:solidFill>
+            </a:endParaRPr>
+          </a:p>
+        </p:txBody>
+      </p:sp>
+      <p:sp>
+        <p:nvSpPr>
+          <p:cNvPr id="23" name="모서리가 둥근 직사각형 22"/>
+          <p:cNvSpPr/>
+          <p:nvPr/>
+        </p:nvSpPr>
+        <p:spPr>
+          <a:xfrm>
+            <a:off x="892776" y="1333070"/>
+            <a:ext cx="2401569" cy="406209"/>
+          </a:xfrm>
+          <a:prstGeom prst="roundRect">
+            <a:avLst>
+              <a:gd name="adj" fmla="val 50000"/>
+            </a:avLst>
+          </a:prstGeom>
+          <a:solidFill>
+            <a:srgbClr val="39BD3D"/>
+          </a:solidFill>
+          <a:ln>
+            <a:noFill/>
+          </a:ln>
+        </p:spPr>
+        <p:style>
+          <a:lnRef idx="2">
+            <a:schemeClr val="accent1">
+              <a:shade val="50000"/>
+            </a:schemeClr>
+          </a:lnRef>
+          <a:fillRef idx="1">
+            <a:schemeClr val="accent1"/>
+          </a:fillRef>
+          <a:effectRef idx="0">
+            <a:schemeClr val="accent1"/>
+          </a:effectRef>
+          <a:fontRef idx="minor">
+            <a:schemeClr val="lt1"/>
+          </a:fontRef>
+        </p:style>
+        <p:txBody>
+          <a:bodyPr rtlCol="0" anchor="ctr"/>
+          <a:lstStyle/>
+          <a:p>
+            <a:pPr algn="ctr">
+              <a:lnSpc>
+                <a:spcPct val="150000"/>
+              </a:lnSpc>
+            </a:pPr>
+            <a:r>
+              <a:rPr lang="en-US" altLang="ko-KR" sz="1400" b="1" dirty="0">
+                <a:solidFill>
+                  <a:prstClr val="white"/>
+                </a:solidFill>
+              </a:rPr>
+              <a:t>UI </a:t>
+            </a:r>
+            <a:r>
+              <a:rPr lang="ko-KR" altLang="en-US" sz="1400" b="1" dirty="0" smtClean="0">
+                <a:solidFill>
+                  <a:prstClr val="white"/>
+                </a:solidFill>
+              </a:rPr>
+              <a:t>소개 및 실행 방법</a:t>
+            </a:r>
+            <a:endParaRPr lang="en-US" altLang="ko-KR" sz="1400" b="1" dirty="0" smtClean="0">
+              <a:solidFill>
+                <a:prstClr val="white"/>
+              </a:solidFill>
+            </a:endParaRPr>
+          </a:p>
+        </p:txBody>
+      </p:sp>
+      <p:sp>
+        <p:nvSpPr>
+          <p:cNvPr id="10" name="직사각형 9"/>
+          <p:cNvSpPr/>
+          <p:nvPr/>
+        </p:nvSpPr>
+        <p:spPr>
+          <a:xfrm>
+            <a:off x="0" y="0"/>
+            <a:ext cx="12192000" cy="972187"/>
+          </a:xfrm>
+          <a:prstGeom prst="rect">
+            <a:avLst/>
+          </a:prstGeom>
+          <a:solidFill>
+            <a:schemeClr val="bg1"/>
+          </a:solidFill>
+          <a:ln>
+            <a:noFill/>
+          </a:ln>
+        </p:spPr>
+        <p:style>
+          <a:lnRef idx="2">
+            <a:schemeClr val="accent1">
+              <a:shade val="50000"/>
+            </a:schemeClr>
+          </a:lnRef>
+          <a:fillRef idx="1">
+            <a:schemeClr val="accent1"/>
+          </a:fillRef>
+          <a:effectRef idx="0">
+            <a:schemeClr val="accent1"/>
+          </a:effectRef>
+          <a:fontRef idx="minor">
+            <a:schemeClr val="lt1"/>
+          </a:fontRef>
+        </p:style>
+        <p:txBody>
+          <a:bodyPr rtlCol="0" anchor="ctr"/>
+          <a:lstStyle/>
+          <a:p>
+            <a:pPr algn="ctr" latinLnBrk="0">
+              <a:lnSpc>
+                <a:spcPct val="150000"/>
+              </a:lnSpc>
+              <a:defRPr/>
+            </a:pPr>
+            <a:r>
+              <a:rPr lang="ko-KR" altLang="en-US" sz="3000" b="1" i="1" kern="0" dirty="0">
+                <a:solidFill>
+                  <a:prstClr val="black">
+                    <a:lumMod val="75000"/>
+                    <a:lumOff val="25000"/>
+                  </a:prstClr>
+                </a:solidFill>
+              </a:rPr>
+              <a:t>구현 기능</a:t>
+            </a:r>
+            <a:r>
+              <a:rPr lang="en-US" altLang="ko-KR" sz="2400" b="1" i="1" kern="0" dirty="0">
+                <a:solidFill>
+                  <a:prstClr val="black">
+                    <a:lumMod val="75000"/>
+                    <a:lumOff val="25000"/>
+                  </a:prstClr>
+                </a:solidFill>
+              </a:rPr>
+              <a:t> </a:t>
+            </a:r>
+          </a:p>
+          <a:p>
+            <a:pPr algn="ctr" latinLnBrk="0">
+              <a:lnSpc>
+                <a:spcPct val="150000"/>
+              </a:lnSpc>
+              <a:defRPr/>
+            </a:pPr>
+            <a:r>
+              <a:rPr lang="ko-KR" altLang="en-US" sz="700" kern="0" dirty="0">
+                <a:solidFill>
+                  <a:prstClr val="black">
+                    <a:lumMod val="75000"/>
+                    <a:lumOff val="25000"/>
+                  </a:prstClr>
+                </a:solidFill>
+              </a:rPr>
+              <a:t>한국산업기술대학교 </a:t>
+            </a:r>
+            <a:r>
+              <a:rPr lang="ko-KR" altLang="en-US" sz="700" kern="0" dirty="0" err="1">
+                <a:solidFill>
+                  <a:prstClr val="black">
+                    <a:lumMod val="75000"/>
+                    <a:lumOff val="25000"/>
+                  </a:prstClr>
+                </a:solidFill>
+              </a:rPr>
+              <a:t>게임공학과</a:t>
+            </a:r>
+            <a:endParaRPr lang="ko-KR" altLang="en-US" sz="4800" kern="0" dirty="0">
+              <a:solidFill>
+                <a:prstClr val="black">
+                  <a:lumMod val="75000"/>
+                  <a:lumOff val="25000"/>
+                </a:prstClr>
+              </a:solidFill>
+            </a:endParaRPr>
+          </a:p>
+        </p:txBody>
+      </p:sp>
+      <p:pic>
+        <p:nvPicPr>
+          <p:cNvPr id="2" name="그림 1">
+            <a:extLst>
+              <a:ext uri="{FF2B5EF4-FFF2-40B4-BE49-F238E27FC236}">
+                <a16:creationId xmlns:a16="http://schemas.microsoft.com/office/drawing/2014/main" id="{D46644B0-D8C0-4BA2-8B89-1A23B7A7DAF7}"/>
+              </a:ext>
+            </a:extLst>
+          </p:cNvPr>
+          <p:cNvPicPr>
+            <a:picLocks noChangeAspect="1"/>
+          </p:cNvPicPr>
+          <p:nvPr/>
+        </p:nvPicPr>
+        <p:blipFill>
+          <a:blip r:embed="rId2"/>
+          <a:stretch>
+            <a:fillRect/>
+          </a:stretch>
+        </p:blipFill>
+        <p:spPr>
+          <a:xfrm>
+            <a:off x="9837500" y="1738440"/>
+            <a:ext cx="1047750" cy="4600575"/>
+          </a:xfrm>
+          <a:prstGeom prst="rect">
+            <a:avLst/>
+          </a:prstGeom>
+        </p:spPr>
+      </p:pic>
+    </p:spTree>
+    <p:extLst>
+      <p:ext uri="{BB962C8B-B14F-4D97-AF65-F5344CB8AC3E}">
+        <p14:creationId xmlns:p14="http://schemas.microsoft.com/office/powerpoint/2010/main" val="228093099"/>
+      </p:ext>
+    </p:extLst>
+  </p:cSld>
+  <p:clrMapOvr>
+    <a:masterClrMapping/>
+  </p:clrMapOvr>
+  <p:timing>
+    <p:tnLst>
+      <p:par>
+        <p:cTn id="1" dur="indefinite" restart="never" nodeType="tmRoot"/>
+      </p:par>
+    </p:tnLst>
+  </p:timing>
+</p:sld>
+</file>
+
+<file path=ppt/slides/slide6.xml><?xml version="1.0" encoding="utf-8"?>
+<p:sld xmlns:a="http://schemas.openxmlformats.org/drawingml/2006/main" xmlns:r="http://schemas.openxmlformats.org/officeDocument/2006/relationships" xmlns:p="http://schemas.openxmlformats.org/presentationml/2006/main">
+  <p:cSld>
+    <p:spTree>
+      <p:nvGrpSpPr>
+        <p:cNvPr id="1" name=""/>
+        <p:cNvGrpSpPr/>
+        <p:nvPr/>
+      </p:nvGrpSpPr>
+      <p:grpSpPr>
+        <a:xfrm>
+          <a:off x="0" y="0"/>
+          <a:ext cx="0" cy="0"/>
+          <a:chOff x="0" y="0"/>
+          <a:chExt cx="0" cy="0"/>
+        </a:xfrm>
+      </p:grpSpPr>
+      <p:sp>
+        <p:nvSpPr>
+          <p:cNvPr id="16" name="직사각형 15">
+            <a:extLst>
+              <a:ext uri="{FF2B5EF4-FFF2-40B4-BE49-F238E27FC236}">
+                <a16:creationId xmlns:a16="http://schemas.microsoft.com/office/drawing/2014/main" id="{68733660-22AB-4BFC-99B9-A3CB0BB74B43}"/>
+              </a:ext>
+            </a:extLst>
+          </p:cNvPr>
+          <p:cNvSpPr/>
+          <p:nvPr/>
+        </p:nvSpPr>
+        <p:spPr>
+          <a:xfrm>
+            <a:off x="892777" y="1738440"/>
+            <a:ext cx="5203224" cy="3647152"/>
+          </a:xfrm>
+          <a:prstGeom prst="rect">
+            <a:avLst/>
+          </a:prstGeom>
+        </p:spPr>
+        <p:txBody>
+          <a:bodyPr wrap="square">
+            <a:spAutoFit/>
+          </a:bodyPr>
+          <a:lstStyle/>
+          <a:p>
+            <a:pPr marL="342900" indent="-342900">
+              <a:lnSpc>
+                <a:spcPct val="150000"/>
+              </a:lnSpc>
+              <a:buAutoNum type="arabicPeriod"/>
+            </a:pPr>
+            <a:r>
+              <a:rPr lang="en-US" altLang="ko-KR" sz="1400" dirty="0" err="1" smtClean="0">
+                <a:solidFill>
+                  <a:prstClr val="black">
+                    <a:lumMod val="75000"/>
+                    <a:lumOff val="25000"/>
+                  </a:prstClr>
+                </a:solidFill>
+              </a:rPr>
+              <a:t>tkinter</a:t>
+            </a:r>
+            <a:r>
               <a:rPr lang="ko-KR" altLang="en-US" sz="1400" dirty="0">
                 <a:solidFill>
                   <a:prstClr val="black">
@@ -17949,7 +19160,7 @@
                   </a:prstClr>
                 </a:solidFill>
               </a:rPr>
-              <a:t>첫번째 버튼을 클릭하면 해외 코로나 발생 현황 그래프를 보여주도록 하였습니다</a:t>
+              <a:t>를 사용하여 지구 모양 버튼을 만들었습니다</a:t>
             </a:r>
             <a:r>
               <a:rPr lang="en-US" altLang="ko-KR" sz="1400" dirty="0">
@@ -17987,6 +19198,39 @@
               <a:buAutoNum type="arabicPeriod"/>
             </a:pPr>
             <a:r>
+              <a:rPr lang="en-US" altLang="ko-KR" sz="1400" dirty="0" err="1" smtClean="0">
+                <a:solidFill>
+                  <a:prstClr val="black">
+                    <a:lumMod val="75000"/>
+                    <a:lumOff val="25000"/>
+                  </a:prstClr>
+                </a:solidFill>
+              </a:rPr>
+              <a:t>beautifulSoup</a:t>
+            </a:r>
+            <a:r>
+              <a:rPr lang="en-US" altLang="ko-KR" sz="1400" dirty="0" smtClean="0">
+                <a:solidFill>
+                  <a:prstClr val="black">
+                    <a:lumMod val="75000"/>
+                    <a:lumOff val="25000"/>
+                  </a:prstClr>
+                </a:solidFill>
+              </a:rPr>
+              <a:t> </a:t>
+            </a:r>
+            <a:r>
+              <a:rPr lang="ko-KR" altLang="en-US" sz="1400" dirty="0" smtClean="0">
+                <a:solidFill>
+                  <a:prstClr val="black">
+                    <a:lumMod val="75000"/>
+                    <a:lumOff val="25000"/>
+                  </a:prstClr>
+                </a:solidFill>
+              </a:rPr>
+              <a:t>툴을 사용하여 해외 </a:t>
+            </a:r>
+            <a:r>
               <a:rPr lang="ko-KR" altLang="en-US" sz="1400" dirty="0">
                 <a:solidFill>
                   <a:prstClr val="black">
@@ -17995,7 +19239,29 @@
                   </a:prstClr>
                 </a:solidFill>
               </a:rPr>
-              <a:t>두번째 버튼을 클릭하면 국내 코로나 최근 </a:t>
+              <a:t>코로나에 대한 오픈 </a:t>
+            </a:r>
+            <a:r>
+              <a:rPr lang="en-US" altLang="ko-KR" sz="1400" dirty="0">
+                <a:solidFill>
+                  <a:prstClr val="black">
+                    <a:lumMod val="75000"/>
+                    <a:lumOff val="25000"/>
+                  </a:prstClr>
+                </a:solidFill>
+              </a:rPr>
+              <a:t>API</a:t>
+            </a:r>
+            <a:r>
+              <a:rPr lang="ko-KR" altLang="en-US" sz="1400" dirty="0">
+                <a:solidFill>
+                  <a:prstClr val="black">
+                    <a:lumMod val="75000"/>
+                    <a:lumOff val="25000"/>
+                  </a:prstClr>
+                </a:solidFill>
+              </a:rPr>
+              <a:t> 데이터를 </a:t>
             </a:r>
             <a:r>
               <a:rPr lang="ko-KR" altLang="en-US" sz="1400" dirty="0" err="1">
@@ -18006,84 +19272,7 @@
                   </a:prstClr>
                 </a:solidFill>
               </a:rPr>
-              <a:t>날짜별</a:t>
-            </a:r>
-            <a:r>
-              <a:rPr lang="ko-KR" altLang="en-US" sz="1400" dirty="0">
-                <a:solidFill>
-                  <a:prstClr val="black">
-                    <a:lumMod val="75000"/>
-                    <a:lumOff val="25000"/>
-                  </a:prstClr>
-                </a:solidFill>
-              </a:rPr>
-              <a:t> </a:t>
-            </a:r>
-            <a:r>
-              <a:rPr lang="ko-KR" altLang="en-US" sz="1400" dirty="0" err="1">
-                <a:solidFill>
-                  <a:prstClr val="black">
-                    <a:lumMod val="75000"/>
-                    <a:lumOff val="25000"/>
-                  </a:prstClr>
-                </a:solidFill>
-              </a:rPr>
-              <a:t>확진자</a:t>
-            </a:r>
-            <a:r>
-              <a:rPr lang="ko-KR" altLang="en-US" sz="1400" dirty="0">
-                <a:solidFill>
-                  <a:prstClr val="black">
-                    <a:lumMod val="75000"/>
-                    <a:lumOff val="25000"/>
-                  </a:prstClr>
-                </a:solidFill>
-              </a:rPr>
-              <a:t> 수와 가장 많은 시</a:t>
-            </a:r>
-            <a:r>
-              <a:rPr lang="en-US" altLang="ko-KR" sz="1400" dirty="0">
-                <a:solidFill>
-                  <a:prstClr val="black">
-                    <a:lumMod val="75000"/>
-                    <a:lumOff val="25000"/>
-                  </a:prstClr>
-                </a:solidFill>
-              </a:rPr>
-              <a:t>.</a:t>
-            </a:r>
-            <a:r>
-              <a:rPr lang="ko-KR" altLang="en-US" sz="1400" dirty="0">
-                <a:solidFill>
-                  <a:prstClr val="black">
-                    <a:lumMod val="75000"/>
-                    <a:lumOff val="25000"/>
-                  </a:prstClr>
-                </a:solidFill>
-              </a:rPr>
-              <a:t>도별 </a:t>
-            </a:r>
-            <a:r>
-              <a:rPr lang="ko-KR" altLang="en-US" sz="1400" dirty="0" err="1">
-                <a:solidFill>
-                  <a:prstClr val="black">
-                    <a:lumMod val="75000"/>
-                    <a:lumOff val="25000"/>
-                  </a:prstClr>
-                </a:solidFill>
-              </a:rPr>
-              <a:t>확진자</a:t>
-            </a:r>
-            <a:r>
-              <a:rPr lang="ko-KR" altLang="en-US" sz="1400" dirty="0">
-                <a:solidFill>
-                  <a:prstClr val="black">
-                    <a:lumMod val="75000"/>
-                    <a:lumOff val="25000"/>
-                  </a:prstClr>
-                </a:solidFill>
-              </a:rPr>
-              <a:t> 수를 그래프로 만들었습니다</a:t>
+              <a:t>파싱하였습니다</a:t>
             </a:r>
             <a:r>
               <a:rPr lang="en-US" altLang="ko-KR" sz="1400" dirty="0">
@@ -18129,7 +19318,7 @@
                   </a:prstClr>
                 </a:solidFill>
               </a:rPr>
-              <a:t>세번째 버튼을 클릭하면 주소를 입력할 수 있는 칸에 주소를 입력하면 그 주변의 공적 마스크 판매 현황을 알려주도록 하였습니다</a:t>
+              <a:t>가장</a:t>
             </a:r>
             <a:r>
               <a:rPr lang="en-US" altLang="ko-KR" sz="1400" dirty="0">
@@ -18140,8 +19329,236 @@
                   </a:prstClr>
                 </a:solidFill>
               </a:rPr>
+              <a:t> </a:t>
+            </a:r>
+            <a:r>
+              <a:rPr lang="ko-KR" altLang="en-US" sz="1400" dirty="0">
+                <a:solidFill>
+                  <a:prstClr val="black">
+                    <a:lumMod val="75000"/>
+                    <a:lumOff val="25000"/>
+                  </a:prstClr>
+                </a:solidFill>
+              </a:rPr>
+              <a:t>많은 </a:t>
+            </a:r>
+            <a:r>
+              <a:rPr lang="ko-KR" altLang="en-US" sz="1400" dirty="0" err="1">
+                <a:solidFill>
+                  <a:prstClr val="black">
+                    <a:lumMod val="75000"/>
+                    <a:lumOff val="25000"/>
+                  </a:prstClr>
+                </a:solidFill>
+              </a:rPr>
+              <a:t>확진자가</a:t>
+            </a:r>
+            <a:r>
+              <a:rPr lang="ko-KR" altLang="en-US" sz="1400" dirty="0">
+                <a:solidFill>
+                  <a:prstClr val="black">
+                    <a:lumMod val="75000"/>
+                    <a:lumOff val="25000"/>
+                  </a:prstClr>
+                </a:solidFill>
+              </a:rPr>
+              <a:t> 있는 나라부터 </a:t>
+            </a:r>
+            <a:r>
+              <a:rPr lang="en-US" altLang="ko-KR" sz="1400" dirty="0">
+                <a:solidFill>
+                  <a:prstClr val="black">
+                    <a:lumMod val="75000"/>
+                    <a:lumOff val="25000"/>
+                  </a:prstClr>
+                </a:solidFill>
+              </a:rPr>
+              <a:t>8</a:t>
+            </a:r>
+            <a:r>
+              <a:rPr lang="ko-KR" altLang="en-US" sz="1400" dirty="0">
+                <a:solidFill>
+                  <a:prstClr val="black">
+                    <a:lumMod val="75000"/>
+                    <a:lumOff val="25000"/>
+                  </a:prstClr>
+                </a:solidFill>
+              </a:rPr>
+              <a:t>번째로 많은 </a:t>
+            </a:r>
+            <a:r>
+              <a:rPr lang="ko-KR" altLang="en-US" sz="1400" dirty="0" err="1">
+                <a:solidFill>
+                  <a:prstClr val="black">
+                    <a:lumMod val="75000"/>
+                    <a:lumOff val="25000"/>
+                  </a:prstClr>
+                </a:solidFill>
+              </a:rPr>
+              <a:t>확진자가</a:t>
+            </a:r>
+            <a:r>
+              <a:rPr lang="ko-KR" altLang="en-US" sz="1400" dirty="0">
+                <a:solidFill>
+                  <a:prstClr val="black">
+                    <a:lumMod val="75000"/>
+                    <a:lumOff val="25000"/>
+                  </a:prstClr>
+                </a:solidFill>
+              </a:rPr>
+              <a:t> 있는 나라를 </a:t>
+            </a:r>
+            <a:r>
+              <a:rPr lang="en-US" altLang="ko-KR" sz="1400" dirty="0" err="1" smtClean="0">
+                <a:solidFill>
+                  <a:prstClr val="black">
+                    <a:lumMod val="75000"/>
+                    <a:lumOff val="25000"/>
+                  </a:prstClr>
+                </a:solidFill>
+              </a:rPr>
+              <a:t>matplotlib</a:t>
+            </a:r>
+            <a:r>
+              <a:rPr lang="en-US" altLang="ko-KR" sz="1400" dirty="0" smtClean="0">
+                <a:solidFill>
+                  <a:prstClr val="black">
+                    <a:lumMod val="75000"/>
+                    <a:lumOff val="25000"/>
+                  </a:prstClr>
+                </a:solidFill>
+              </a:rPr>
+              <a:t> </a:t>
+            </a:r>
+            <a:r>
+              <a:rPr lang="ko-KR" altLang="en-US" sz="1400" dirty="0" smtClean="0">
+                <a:solidFill>
+                  <a:prstClr val="black">
+                    <a:lumMod val="75000"/>
+                    <a:lumOff val="25000"/>
+                  </a:prstClr>
+                </a:solidFill>
+              </a:rPr>
+              <a:t>모듈을 사용하여 막대 그래프를 그려</a:t>
+            </a:r>
+            <a:r>
+              <a:rPr lang="en-US" altLang="ko-KR" sz="1400" dirty="0" smtClean="0">
+                <a:solidFill>
+                  <a:prstClr val="black">
+                    <a:lumMod val="75000"/>
+                    <a:lumOff val="25000"/>
+                  </a:prstClr>
+                </a:solidFill>
+              </a:rPr>
+              <a:t> </a:t>
+            </a:r>
+            <a:r>
+              <a:rPr lang="ko-KR" altLang="en-US" sz="1400" dirty="0" smtClean="0">
+                <a:solidFill>
+                  <a:prstClr val="black">
+                    <a:lumMod val="75000"/>
+                    <a:lumOff val="25000"/>
+                  </a:prstClr>
+                </a:solidFill>
+              </a:rPr>
+              <a:t>비교할 수 있게 만들었습니다</a:t>
+            </a:r>
+            <a:r>
+              <a:rPr lang="en-US" altLang="ko-KR" sz="1400" dirty="0" smtClean="0">
+                <a:solidFill>
+                  <a:prstClr val="black">
+                    <a:lumMod val="75000"/>
+                    <a:lumOff val="25000"/>
+                  </a:prstClr>
+                </a:solidFill>
+              </a:rPr>
+              <a:t>. </a:t>
+            </a:r>
+            <a:r>
+              <a:rPr lang="ko-KR" altLang="en-US" sz="1400" dirty="0" smtClean="0">
+                <a:solidFill>
+                  <a:prstClr val="black">
+                    <a:lumMod val="75000"/>
+                    <a:lumOff val="25000"/>
+                  </a:prstClr>
+                </a:solidFill>
+              </a:rPr>
+              <a:t>또한 </a:t>
+            </a:r>
+            <a:r>
+              <a:rPr lang="en-US" altLang="ko-KR" sz="1400" dirty="0" err="1" smtClean="0">
+                <a:solidFill>
+                  <a:prstClr val="black">
+                    <a:lumMod val="75000"/>
+                    <a:lumOff val="25000"/>
+                  </a:prstClr>
+                </a:solidFill>
+              </a:rPr>
+              <a:t>datetime</a:t>
+            </a:r>
+            <a:r>
+              <a:rPr lang="en-US" altLang="ko-KR" sz="1400" dirty="0" smtClean="0">
+                <a:solidFill>
+                  <a:prstClr val="black">
+                    <a:lumMod val="75000"/>
+                    <a:lumOff val="25000"/>
+                  </a:prstClr>
+                </a:solidFill>
+              </a:rPr>
+              <a:t> </a:t>
+            </a:r>
+            <a:r>
+              <a:rPr lang="ko-KR" altLang="en-US" sz="1400" dirty="0" smtClean="0">
+                <a:solidFill>
+                  <a:prstClr val="black">
+                    <a:lumMod val="75000"/>
+                    <a:lumOff val="25000"/>
+                  </a:prstClr>
+                </a:solidFill>
+              </a:rPr>
+              <a:t>모듈을 통해 오늘의 </a:t>
+            </a:r>
+            <a:r>
+              <a:rPr lang="ko-KR" altLang="en-US" sz="1400" dirty="0" err="1" smtClean="0">
+                <a:solidFill>
+                  <a:prstClr val="black">
+                    <a:lumMod val="75000"/>
+                    <a:lumOff val="25000"/>
+                  </a:prstClr>
+                </a:solidFill>
+              </a:rPr>
+              <a:t>확진자</a:t>
+            </a:r>
+            <a:r>
+              <a:rPr lang="ko-KR" altLang="en-US" sz="1400" dirty="0" smtClean="0">
+                <a:solidFill>
+                  <a:prstClr val="black">
+                    <a:lumMod val="75000"/>
+                    <a:lumOff val="25000"/>
+                  </a:prstClr>
+                </a:solidFill>
+              </a:rPr>
+              <a:t> 수를 가져왔습니다</a:t>
+            </a:r>
+            <a:r>
+              <a:rPr lang="en-US" altLang="ko-KR" sz="1400" dirty="0" smtClean="0">
+                <a:solidFill>
+                  <a:prstClr val="black">
+                    <a:lumMod val="75000"/>
+                    <a:lumOff val="25000"/>
+                  </a:prstClr>
+                </a:solidFill>
+              </a:rPr>
               <a:t>.</a:t>
             </a:r>
+            <a:endParaRPr lang="en-US" altLang="ko-KR" sz="1400" dirty="0">
+              <a:solidFill>
+                <a:prstClr val="black">
+                  <a:lumMod val="75000"/>
+                  <a:lumOff val="25000"/>
+                </a:prstClr>
+              </a:solidFill>
+            </a:endParaRPr>
           </a:p>
           <a:p>
             <a:pPr marL="342900" indent="-342900">
@@ -18175,18 +19592,18 @@
                   </a:prstClr>
                 </a:solidFill>
               </a:rPr>
-              <a:t>네번째 버튼을 클릭하면 주소를 입력할 수 있는 칸이 있고 입력 시 주변에 있는 국민안심병원</a:t>
-            </a:r>
-            <a:r>
-              <a:rPr lang="en-US" altLang="ko-KR" sz="1400" dirty="0">
-                <a:solidFill>
-                  <a:prstClr val="black">
-                    <a:lumMod val="75000"/>
-                    <a:lumOff val="25000"/>
-                  </a:prstClr>
-                </a:solidFill>
-              </a:rPr>
-              <a:t>, </a:t>
+              <a:t>각 나라별로 </a:t>
+            </a:r>
+            <a:r>
+              <a:rPr lang="ko-KR" altLang="en-US" sz="1400" dirty="0" err="1">
+                <a:solidFill>
+                  <a:prstClr val="black">
+                    <a:lumMod val="75000"/>
+                    <a:lumOff val="25000"/>
+                  </a:prstClr>
+                </a:solidFill>
+              </a:rPr>
+              <a:t>확진자</a:t>
             </a:r>
             <a:r>
               <a:rPr lang="ko-KR" altLang="en-US" sz="1400" dirty="0">
@@ -18197,154 +19614,7 @@
                   </a:prstClr>
                 </a:solidFill>
               </a:rPr>
-              <a:t>코로나검사 실시기관</a:t>
-            </a:r>
-            <a:r>
-              <a:rPr lang="en-US" altLang="ko-KR" sz="1400" dirty="0">
-                <a:solidFill>
-                  <a:prstClr val="black">
-                    <a:lumMod val="75000"/>
-                    <a:lumOff val="25000"/>
-                  </a:prstClr>
-                </a:solidFill>
-              </a:rPr>
-              <a:t>, </a:t>
-            </a:r>
-            <a:r>
-              <a:rPr lang="ko-KR" altLang="en-US" sz="1400" dirty="0">
-                <a:solidFill>
-                  <a:prstClr val="black">
-                    <a:lumMod val="75000"/>
-                    <a:lumOff val="25000"/>
-                  </a:prstClr>
-                </a:solidFill>
-              </a:rPr>
-              <a:t>선별진료소 운영기관을 보여주도록 하였습니다</a:t>
-            </a:r>
-            <a:r>
-              <a:rPr lang="en-US" altLang="ko-KR" sz="1400" dirty="0">
-                <a:solidFill>
-                  <a:prstClr val="black">
-                    <a:lumMod val="75000"/>
-                    <a:lumOff val="25000"/>
-                  </a:prstClr>
-                </a:solidFill>
-              </a:rPr>
-              <a:t>.</a:t>
-            </a:r>
-          </a:p>
-          <a:p>
-            <a:pPr marL="342900" indent="-342900">
-              <a:lnSpc>
-                <a:spcPct val="150000"/>
-              </a:lnSpc>
-              <a:buAutoNum type="arabicPeriod"/>
-            </a:pPr>
-            <a:endParaRPr lang="en-US" altLang="ko-KR" sz="1400" dirty="0">
-              <a:solidFill>
-                <a:prstClr val="black">
-                  <a:lumMod val="75000"/>
-                  <a:lumOff val="25000"/>
-                </a:prstClr>
-              </a:solidFill>
-            </a:endParaRPr>
-          </a:p>
-          <a:p>
-            <a:pPr marL="342900" indent="-342900">
-              <a:lnSpc>
-                <a:spcPct val="150000"/>
-              </a:lnSpc>
-              <a:buAutoNum type="arabicPeriod"/>
-            </a:pPr>
-            <a:r>
-              <a:rPr lang="ko-KR" altLang="en-US" sz="1400" dirty="0" err="1">
-                <a:solidFill>
-                  <a:prstClr val="black">
-                    <a:lumMod val="75000"/>
-                    <a:lumOff val="25000"/>
-                  </a:prstClr>
-                </a:solidFill>
-              </a:rPr>
-              <a:t>다섯번째</a:t>
-            </a:r>
-            <a:r>
-              <a:rPr lang="ko-KR" altLang="en-US" sz="1400" dirty="0">
-                <a:solidFill>
-                  <a:prstClr val="black">
-                    <a:lumMod val="75000"/>
-                    <a:lumOff val="25000"/>
-                  </a:prstClr>
-                </a:solidFill>
-              </a:rPr>
-              <a:t> 버튼을 누르면 코로나 관련 기사를 볼 수 있게 네이버 인터넷 뉴스를 띄워줍니다</a:t>
-            </a:r>
-            <a:r>
-              <a:rPr lang="en-US" altLang="ko-KR" sz="1400" dirty="0">
-                <a:solidFill>
-                  <a:prstClr val="black">
-                    <a:lumMod val="75000"/>
-                    <a:lumOff val="25000"/>
-                  </a:prstClr>
-                </a:solidFill>
-              </a:rPr>
-              <a:t>.</a:t>
-            </a:r>
-          </a:p>
-          <a:p>
-            <a:pPr marL="342900" indent="-342900">
-              <a:lnSpc>
-                <a:spcPct val="150000"/>
-              </a:lnSpc>
-              <a:buAutoNum type="arabicPeriod"/>
-            </a:pPr>
-            <a:endParaRPr lang="en-US" altLang="ko-KR" sz="1400" dirty="0">
-              <a:solidFill>
-                <a:prstClr val="black">
-                  <a:lumMod val="75000"/>
-                  <a:lumOff val="25000"/>
-                </a:prstClr>
-              </a:solidFill>
-            </a:endParaRPr>
-          </a:p>
-          <a:p>
-            <a:pPr marL="342900" indent="-342900">
-              <a:lnSpc>
-                <a:spcPct val="150000"/>
-              </a:lnSpc>
-              <a:buAutoNum type="arabicPeriod"/>
-            </a:pPr>
-            <a:r>
-              <a:rPr lang="ko-KR" altLang="en-US" sz="1400" dirty="0">
-                <a:solidFill>
-                  <a:prstClr val="black">
-                    <a:lumMod val="75000"/>
-                    <a:lumOff val="25000"/>
-                  </a:prstClr>
-                </a:solidFill>
-              </a:rPr>
-              <a:t>마지막 버튼을 누르면 </a:t>
-            </a:r>
-            <a:r>
-              <a:rPr lang="ko-KR" altLang="en-US" sz="1400" dirty="0" err="1">
-                <a:solidFill>
-                  <a:prstClr val="black">
-                    <a:lumMod val="75000"/>
-                    <a:lumOff val="25000"/>
-                  </a:prstClr>
-                </a:solidFill>
-              </a:rPr>
-              <a:t>텔레그램</a:t>
-            </a:r>
-            <a:r>
-              <a:rPr lang="ko-KR" altLang="en-US" sz="1400" dirty="0">
-                <a:solidFill>
-                  <a:prstClr val="black">
-                    <a:lumMod val="75000"/>
-                    <a:lumOff val="25000"/>
-                  </a:prstClr>
-                </a:solidFill>
-              </a:rPr>
-              <a:t> 봇을 이용할 수 있는 파일을 실행시켜줍니다</a:t>
+              <a:t> 수를 그래프에 표기하였습니다</a:t>
             </a:r>
             <a:r>
               <a:rPr lang="en-US" altLang="ko-KR" sz="1400" dirty="0">
@@ -18403,7 +19673,7 @@
           <a:bodyPr rtlCol="0" anchor="ctr"/>
           <a:lstStyle/>
           <a:p>
-            <a:pPr algn="ctr">
+            <a:pPr>
               <a:lnSpc>
                 <a:spcPct val="150000"/>
               </a:lnSpc>
@@ -18414,21 +19684,8 @@
                   <a:prstClr val="white"/>
                 </a:solidFill>
               </a:rPr>
-              <a:t>UI </a:t>
-            </a:r>
-            <a:r>
-              <a:rPr lang="ko-KR" altLang="en-US" sz="1400" b="1" dirty="0">
-                <a:solidFill>
-                  <a:prstClr val="white"/>
-                </a:solidFill>
-              </a:rPr>
-              <a:t>소개</a:t>
-            </a:r>
-            <a:endParaRPr lang="en-US" altLang="ko-KR" sz="1400" b="1" dirty="0">
-              <a:solidFill>
-                <a:prstClr val="white"/>
-              </a:solidFill>
-            </a:endParaRPr>
+              <a:t>Function. 1</a:t>
+            </a:r>
           </a:p>
         </p:txBody>
       </p:sp>
@@ -18488,607 +19745,6 @@
                   </a:prstClr>
                 </a:solidFill>
               </a:rPr>
-              <a:t>구현 기능</a:t>
-            </a:r>
-            <a:r>
-              <a:rPr lang="en-US" altLang="ko-KR" sz="2400" b="1" i="1" kern="0" dirty="0">
-                <a:solidFill>
-                  <a:prstClr val="black">
-                    <a:lumMod val="75000"/>
-                    <a:lumOff val="25000"/>
-                  </a:prstClr>
-                </a:solidFill>
-              </a:rPr>
-              <a:t> </a:t>
-            </a:r>
-          </a:p>
-          <a:p>
-            <a:pPr algn="ctr" latinLnBrk="0">
-              <a:lnSpc>
-                <a:spcPct val="150000"/>
-              </a:lnSpc>
-              <a:defRPr/>
-            </a:pPr>
-            <a:r>
-              <a:rPr lang="ko-KR" altLang="en-US" sz="700" kern="0" dirty="0">
-                <a:solidFill>
-                  <a:prstClr val="black">
-                    <a:lumMod val="75000"/>
-                    <a:lumOff val="25000"/>
-                  </a:prstClr>
-                </a:solidFill>
-              </a:rPr>
-              <a:t>한국산업기술대학교 </a:t>
-            </a:r>
-            <a:r>
-              <a:rPr lang="ko-KR" altLang="en-US" sz="700" kern="0" dirty="0" err="1">
-                <a:solidFill>
-                  <a:prstClr val="black">
-                    <a:lumMod val="75000"/>
-                    <a:lumOff val="25000"/>
-                  </a:prstClr>
-                </a:solidFill>
-              </a:rPr>
-              <a:t>게임공학과</a:t>
-            </a:r>
-            <a:endParaRPr lang="ko-KR" altLang="en-US" sz="4800" kern="0" dirty="0">
-              <a:solidFill>
-                <a:prstClr val="black">
-                  <a:lumMod val="75000"/>
-                  <a:lumOff val="25000"/>
-                </a:prstClr>
-              </a:solidFill>
-            </a:endParaRPr>
-          </a:p>
-        </p:txBody>
-      </p:sp>
-      <p:pic>
-        <p:nvPicPr>
-          <p:cNvPr id="2" name="그림 1">
-            <a:extLst>
-              <a:ext uri="{FF2B5EF4-FFF2-40B4-BE49-F238E27FC236}">
-                <a16:creationId xmlns:a16="http://schemas.microsoft.com/office/drawing/2014/main" id="{D46644B0-D8C0-4BA2-8B89-1A23B7A7DAF7}"/>
-              </a:ext>
-            </a:extLst>
-          </p:cNvPr>
-          <p:cNvPicPr>
-            <a:picLocks noChangeAspect="1"/>
-          </p:cNvPicPr>
-          <p:nvPr/>
-        </p:nvPicPr>
-        <p:blipFill>
-          <a:blip r:embed="rId2"/>
-          <a:stretch>
-            <a:fillRect/>
-          </a:stretch>
-        </p:blipFill>
-        <p:spPr>
-          <a:xfrm>
-            <a:off x="9837500" y="1738440"/>
-            <a:ext cx="1047750" cy="4600575"/>
-          </a:xfrm>
-          <a:prstGeom prst="rect">
-            <a:avLst/>
-          </a:prstGeom>
-        </p:spPr>
-      </p:pic>
-    </p:spTree>
-    <p:extLst>
-      <p:ext uri="{BB962C8B-B14F-4D97-AF65-F5344CB8AC3E}">
-        <p14:creationId xmlns:p14="http://schemas.microsoft.com/office/powerpoint/2010/main" val="228093099"/>
-      </p:ext>
-    </p:extLst>
-  </p:cSld>
-  <p:clrMapOvr>
-    <a:masterClrMapping/>
-  </p:clrMapOvr>
-</p:sld>
-</file>
-
-<file path=ppt/slides/slide6.xml><?xml version="1.0" encoding="utf-8"?>
-<p:sld xmlns:a="http://schemas.openxmlformats.org/drawingml/2006/main" xmlns:r="http://schemas.openxmlformats.org/officeDocument/2006/relationships" xmlns:p="http://schemas.openxmlformats.org/presentationml/2006/main">
-  <p:cSld>
-    <p:spTree>
-      <p:nvGrpSpPr>
-        <p:cNvPr id="1" name=""/>
-        <p:cNvGrpSpPr/>
-        <p:nvPr/>
-      </p:nvGrpSpPr>
-      <p:grpSpPr>
-        <a:xfrm>
-          <a:off x="0" y="0"/>
-          <a:ext cx="0" cy="0"/>
-          <a:chOff x="0" y="0"/>
-          <a:chExt cx="0" cy="0"/>
-        </a:xfrm>
-      </p:grpSpPr>
-      <p:sp>
-        <p:nvSpPr>
-          <p:cNvPr id="16" name="직사각형 15">
-            <a:extLst>
-              <a:ext uri="{FF2B5EF4-FFF2-40B4-BE49-F238E27FC236}">
-                <a16:creationId xmlns:a16="http://schemas.microsoft.com/office/drawing/2014/main" id="{68733660-22AB-4BFC-99B9-A3CB0BB74B43}"/>
-              </a:ext>
-            </a:extLst>
-          </p:cNvPr>
-          <p:cNvSpPr/>
-          <p:nvPr/>
-        </p:nvSpPr>
-        <p:spPr>
-          <a:xfrm>
-            <a:off x="892777" y="1738440"/>
-            <a:ext cx="5203224" cy="2959208"/>
-          </a:xfrm>
-          <a:prstGeom prst="rect">
-            <a:avLst/>
-          </a:prstGeom>
-        </p:spPr>
-        <p:txBody>
-          <a:bodyPr wrap="square">
-            <a:spAutoFit/>
-          </a:bodyPr>
-          <a:lstStyle/>
-          <a:p>
-            <a:pPr marL="342900" indent="-342900">
-              <a:lnSpc>
-                <a:spcPct val="150000"/>
-              </a:lnSpc>
-              <a:buAutoNum type="arabicPeriod"/>
-            </a:pPr>
-            <a:r>
-              <a:rPr lang="en-US" altLang="ko-KR" sz="1400" dirty="0" err="1">
-                <a:solidFill>
-                  <a:prstClr val="black">
-                    <a:lumMod val="75000"/>
-                    <a:lumOff val="25000"/>
-                  </a:prstClr>
-                </a:solidFill>
-              </a:rPr>
-              <a:t>Tkinter</a:t>
-            </a:r>
-            <a:r>
-              <a:rPr lang="ko-KR" altLang="en-US" sz="1400" dirty="0">
-                <a:solidFill>
-                  <a:prstClr val="black">
-                    <a:lumMod val="75000"/>
-                    <a:lumOff val="25000"/>
-                  </a:prstClr>
-                </a:solidFill>
-              </a:rPr>
-              <a:t>를 사용하여 지구 모양 버튼을 만들었습니다</a:t>
-            </a:r>
-            <a:r>
-              <a:rPr lang="en-US" altLang="ko-KR" sz="1400" dirty="0">
-                <a:solidFill>
-                  <a:prstClr val="black">
-                    <a:lumMod val="75000"/>
-                    <a:lumOff val="25000"/>
-                  </a:prstClr>
-                </a:solidFill>
-              </a:rPr>
-              <a:t>.</a:t>
-            </a:r>
-          </a:p>
-          <a:p>
-            <a:pPr marL="342900" indent="-342900">
-              <a:lnSpc>
-                <a:spcPct val="150000"/>
-              </a:lnSpc>
-              <a:buAutoNum type="arabicPeriod"/>
-            </a:pPr>
-            <a:endParaRPr lang="en-US" altLang="ko-KR" sz="1400" dirty="0">
-              <a:solidFill>
-                <a:prstClr val="black">
-                  <a:lumMod val="75000"/>
-                  <a:lumOff val="25000"/>
-                </a:prstClr>
-              </a:solidFill>
-            </a:endParaRPr>
-          </a:p>
-          <a:p>
-            <a:pPr marL="342900" indent="-342900">
-              <a:lnSpc>
-                <a:spcPct val="150000"/>
-              </a:lnSpc>
-              <a:buAutoNum type="arabicPeriod"/>
-            </a:pPr>
-            <a:r>
-              <a:rPr lang="ko-KR" altLang="en-US" sz="1400" dirty="0">
-                <a:solidFill>
-                  <a:prstClr val="black">
-                    <a:lumMod val="75000"/>
-                    <a:lumOff val="25000"/>
-                  </a:prstClr>
-                </a:solidFill>
-              </a:rPr>
-              <a:t>해외 코로나에 대한 오픈 </a:t>
-            </a:r>
-            <a:r>
-              <a:rPr lang="en-US" altLang="ko-KR" sz="1400" dirty="0">
-                <a:solidFill>
-                  <a:prstClr val="black">
-                    <a:lumMod val="75000"/>
-                    <a:lumOff val="25000"/>
-                  </a:prstClr>
-                </a:solidFill>
-              </a:rPr>
-              <a:t>API</a:t>
-            </a:r>
-            <a:r>
-              <a:rPr lang="ko-KR" altLang="en-US" sz="1400" dirty="0">
-                <a:solidFill>
-                  <a:prstClr val="black">
-                    <a:lumMod val="75000"/>
-                    <a:lumOff val="25000"/>
-                  </a:prstClr>
-                </a:solidFill>
-              </a:rPr>
-              <a:t> 데이터를 </a:t>
-            </a:r>
-            <a:r>
-              <a:rPr lang="ko-KR" altLang="en-US" sz="1400" dirty="0" err="1">
-                <a:solidFill>
-                  <a:prstClr val="black">
-                    <a:lumMod val="75000"/>
-                    <a:lumOff val="25000"/>
-                  </a:prstClr>
-                </a:solidFill>
-              </a:rPr>
-              <a:t>파싱하였습니다</a:t>
-            </a:r>
-            <a:r>
-              <a:rPr lang="en-US" altLang="ko-KR" sz="1400" dirty="0">
-                <a:solidFill>
-                  <a:prstClr val="black">
-                    <a:lumMod val="75000"/>
-                    <a:lumOff val="25000"/>
-                  </a:prstClr>
-                </a:solidFill>
-              </a:rPr>
-              <a:t>.</a:t>
-            </a:r>
-          </a:p>
-          <a:p>
-            <a:pPr marL="342900" indent="-342900">
-              <a:lnSpc>
-                <a:spcPct val="150000"/>
-              </a:lnSpc>
-              <a:buAutoNum type="arabicPeriod"/>
-            </a:pPr>
-            <a:endParaRPr lang="en-US" altLang="ko-KR" sz="1400" dirty="0">
-              <a:solidFill>
-                <a:prstClr val="black">
-                  <a:lumMod val="75000"/>
-                  <a:lumOff val="25000"/>
-                </a:prstClr>
-              </a:solidFill>
-            </a:endParaRPr>
-          </a:p>
-          <a:p>
-            <a:pPr marL="342900" indent="-342900">
-              <a:lnSpc>
-                <a:spcPct val="150000"/>
-              </a:lnSpc>
-              <a:buAutoNum type="arabicPeriod"/>
-            </a:pPr>
-            <a:r>
-              <a:rPr lang="ko-KR" altLang="en-US" sz="1400" dirty="0">
-                <a:solidFill>
-                  <a:prstClr val="black">
-                    <a:lumMod val="75000"/>
-                    <a:lumOff val="25000"/>
-                  </a:prstClr>
-                </a:solidFill>
-              </a:rPr>
-              <a:t>가장</a:t>
-            </a:r>
-            <a:r>
-              <a:rPr lang="en-US" altLang="ko-KR" sz="1400" dirty="0">
-                <a:solidFill>
-                  <a:prstClr val="black">
-                    <a:lumMod val="75000"/>
-                    <a:lumOff val="25000"/>
-                  </a:prstClr>
-                </a:solidFill>
-              </a:rPr>
-              <a:t> </a:t>
-            </a:r>
-            <a:r>
-              <a:rPr lang="ko-KR" altLang="en-US" sz="1400" dirty="0">
-                <a:solidFill>
-                  <a:prstClr val="black">
-                    <a:lumMod val="75000"/>
-                    <a:lumOff val="25000"/>
-                  </a:prstClr>
-                </a:solidFill>
-              </a:rPr>
-              <a:t>많은 </a:t>
-            </a:r>
-            <a:r>
-              <a:rPr lang="ko-KR" altLang="en-US" sz="1400" dirty="0" err="1">
-                <a:solidFill>
-                  <a:prstClr val="black">
-                    <a:lumMod val="75000"/>
-                    <a:lumOff val="25000"/>
-                  </a:prstClr>
-                </a:solidFill>
-              </a:rPr>
-              <a:t>확진자가</a:t>
-            </a:r>
-            <a:r>
-              <a:rPr lang="ko-KR" altLang="en-US" sz="1400" dirty="0">
-                <a:solidFill>
-                  <a:prstClr val="black">
-                    <a:lumMod val="75000"/>
-                    <a:lumOff val="25000"/>
-                  </a:prstClr>
-                </a:solidFill>
-              </a:rPr>
-              <a:t> 있는 나라부터 </a:t>
-            </a:r>
-            <a:r>
-              <a:rPr lang="en-US" altLang="ko-KR" sz="1400" dirty="0">
-                <a:solidFill>
-                  <a:prstClr val="black">
-                    <a:lumMod val="75000"/>
-                    <a:lumOff val="25000"/>
-                  </a:prstClr>
-                </a:solidFill>
-              </a:rPr>
-              <a:t>8</a:t>
-            </a:r>
-            <a:r>
-              <a:rPr lang="ko-KR" altLang="en-US" sz="1400" dirty="0">
-                <a:solidFill>
-                  <a:prstClr val="black">
-                    <a:lumMod val="75000"/>
-                    <a:lumOff val="25000"/>
-                  </a:prstClr>
-                </a:solidFill>
-              </a:rPr>
-              <a:t>번째로 많은 </a:t>
-            </a:r>
-            <a:r>
-              <a:rPr lang="ko-KR" altLang="en-US" sz="1400" dirty="0" err="1">
-                <a:solidFill>
-                  <a:prstClr val="black">
-                    <a:lumMod val="75000"/>
-                    <a:lumOff val="25000"/>
-                  </a:prstClr>
-                </a:solidFill>
-              </a:rPr>
-              <a:t>확진자가</a:t>
-            </a:r>
-            <a:r>
-              <a:rPr lang="ko-KR" altLang="en-US" sz="1400" dirty="0">
-                <a:solidFill>
-                  <a:prstClr val="black">
-                    <a:lumMod val="75000"/>
-                    <a:lumOff val="25000"/>
-                  </a:prstClr>
-                </a:solidFill>
-              </a:rPr>
-              <a:t> 있는 나라를 막대 그래프로</a:t>
-            </a:r>
-            <a:r>
-              <a:rPr lang="en-US" altLang="ko-KR" sz="1400" dirty="0">
-                <a:solidFill>
-                  <a:prstClr val="black">
-                    <a:lumMod val="75000"/>
-                    <a:lumOff val="25000"/>
-                  </a:prstClr>
-                </a:solidFill>
-              </a:rPr>
-              <a:t> </a:t>
-            </a:r>
-            <a:r>
-              <a:rPr lang="ko-KR" altLang="en-US" sz="1400" dirty="0">
-                <a:solidFill>
-                  <a:prstClr val="black">
-                    <a:lumMod val="75000"/>
-                    <a:lumOff val="25000"/>
-                  </a:prstClr>
-                </a:solidFill>
-              </a:rPr>
-              <a:t>수치를 나타나게 하여 비교할 수 있게 만들었습니다</a:t>
-            </a:r>
-            <a:r>
-              <a:rPr lang="en-US" altLang="ko-KR" sz="1400" dirty="0">
-                <a:solidFill>
-                  <a:prstClr val="black">
-                    <a:lumMod val="75000"/>
-                    <a:lumOff val="25000"/>
-                  </a:prstClr>
-                </a:solidFill>
-              </a:rPr>
-              <a:t>.</a:t>
-            </a:r>
-          </a:p>
-          <a:p>
-            <a:pPr marL="342900" indent="-342900">
-              <a:lnSpc>
-                <a:spcPct val="150000"/>
-              </a:lnSpc>
-              <a:buAutoNum type="arabicPeriod"/>
-            </a:pPr>
-            <a:endParaRPr lang="en-US" altLang="ko-KR" sz="1400" dirty="0">
-              <a:solidFill>
-                <a:prstClr val="black">
-                  <a:lumMod val="75000"/>
-                  <a:lumOff val="25000"/>
-                </a:prstClr>
-              </a:solidFill>
-            </a:endParaRPr>
-          </a:p>
-          <a:p>
-            <a:pPr marL="342900" indent="-342900">
-              <a:lnSpc>
-                <a:spcPct val="150000"/>
-              </a:lnSpc>
-              <a:buAutoNum type="arabicPeriod"/>
-            </a:pPr>
-            <a:r>
-              <a:rPr lang="ko-KR" altLang="en-US" sz="1400" dirty="0">
-                <a:solidFill>
-                  <a:prstClr val="black">
-                    <a:lumMod val="75000"/>
-                    <a:lumOff val="25000"/>
-                  </a:prstClr>
-                </a:solidFill>
-              </a:rPr>
-              <a:t>각 나라별로 </a:t>
-            </a:r>
-            <a:r>
-              <a:rPr lang="ko-KR" altLang="en-US" sz="1400" dirty="0" err="1">
-                <a:solidFill>
-                  <a:prstClr val="black">
-                    <a:lumMod val="75000"/>
-                    <a:lumOff val="25000"/>
-                  </a:prstClr>
-                </a:solidFill>
-              </a:rPr>
-              <a:t>확진자</a:t>
-            </a:r>
-            <a:r>
-              <a:rPr lang="ko-KR" altLang="en-US" sz="1400" dirty="0">
-                <a:solidFill>
-                  <a:prstClr val="black">
-                    <a:lumMod val="75000"/>
-                    <a:lumOff val="25000"/>
-                  </a:prstClr>
-                </a:solidFill>
-              </a:rPr>
-              <a:t> 수를 그래프에 표기하였습니다</a:t>
-            </a:r>
-            <a:r>
-              <a:rPr lang="en-US" altLang="ko-KR" sz="1400" dirty="0">
-                <a:solidFill>
-                  <a:prstClr val="black">
-                    <a:lumMod val="75000"/>
-                    <a:lumOff val="25000"/>
-                  </a:prstClr>
-                </a:solidFill>
-              </a:rPr>
-              <a:t>.</a:t>
-            </a:r>
-          </a:p>
-        </p:txBody>
-      </p:sp>
-      <p:sp>
-        <p:nvSpPr>
-          <p:cNvPr id="23" name="모서리가 둥근 직사각형 22"/>
-          <p:cNvSpPr/>
-          <p:nvPr/>
-        </p:nvSpPr>
-        <p:spPr>
-          <a:xfrm>
-            <a:off x="892776" y="1333070"/>
-            <a:ext cx="1457519" cy="406209"/>
-          </a:xfrm>
-          <a:prstGeom prst="roundRect">
-            <a:avLst>
-              <a:gd name="adj" fmla="val 50000"/>
-            </a:avLst>
-          </a:prstGeom>
-          <a:solidFill>
-            <a:srgbClr val="39BD3D"/>
-          </a:solidFill>
-          <a:ln>
-            <a:noFill/>
-          </a:ln>
-        </p:spPr>
-        <p:style>
-          <a:lnRef idx="2">
-            <a:schemeClr val="accent1">
-              <a:shade val="50000"/>
-            </a:schemeClr>
-          </a:lnRef>
-          <a:fillRef idx="1">
-            <a:schemeClr val="accent1"/>
-          </a:fillRef>
-          <a:effectRef idx="0">
-            <a:schemeClr val="accent1"/>
-          </a:effectRef>
-          <a:fontRef idx="minor">
-            <a:schemeClr val="lt1"/>
-          </a:fontRef>
-        </p:style>
-        <p:txBody>
-          <a:bodyPr rtlCol="0" anchor="ctr"/>
-          <a:lstStyle/>
-          <a:p>
-            <a:pPr>
-              <a:lnSpc>
-                <a:spcPct val="150000"/>
-              </a:lnSpc>
-            </a:pPr>
-            <a:r>
-              <a:rPr lang="en-US" altLang="ko-KR" sz="1400" b="1" dirty="0">
-                <a:solidFill>
-                  <a:prstClr val="white"/>
-                </a:solidFill>
-              </a:rPr>
-              <a:t>Function. 1</a:t>
-            </a:r>
-          </a:p>
-        </p:txBody>
-      </p:sp>
-      <p:sp>
-        <p:nvSpPr>
-          <p:cNvPr id="10" name="직사각형 9"/>
-          <p:cNvSpPr/>
-          <p:nvPr/>
-        </p:nvSpPr>
-        <p:spPr>
-          <a:xfrm>
-            <a:off x="0" y="0"/>
-            <a:ext cx="12192000" cy="972187"/>
-          </a:xfrm>
-          <a:prstGeom prst="rect">
-            <a:avLst/>
-          </a:prstGeom>
-          <a:solidFill>
-            <a:schemeClr val="bg1"/>
-          </a:solidFill>
-          <a:ln>
-            <a:noFill/>
-          </a:ln>
-        </p:spPr>
-        <p:style>
-          <a:lnRef idx="2">
-            <a:schemeClr val="accent1">
-              <a:shade val="50000"/>
-            </a:schemeClr>
-          </a:lnRef>
-          <a:fillRef idx="1">
-            <a:schemeClr val="accent1"/>
-          </a:fillRef>
-          <a:effectRef idx="0">
-            <a:schemeClr val="accent1"/>
-          </a:effectRef>
-          <a:fontRef idx="minor">
-            <a:schemeClr val="lt1"/>
-          </a:fontRef>
-        </p:style>
-        <p:txBody>
-          <a:bodyPr rtlCol="0" anchor="ctr"/>
-          <a:lstStyle/>
-          <a:p>
-            <a:pPr algn="ctr" latinLnBrk="0">
-              <a:lnSpc>
-                <a:spcPct val="150000"/>
-              </a:lnSpc>
-              <a:defRPr/>
-            </a:pPr>
-            <a:r>
-              <a:rPr lang="ko-KR" altLang="en-US" sz="3000" b="1" i="1" kern="0" dirty="0">
-                <a:solidFill>
-                  <a:prstClr val="black">
-                    <a:lumMod val="75000"/>
-                    <a:lumOff val="25000"/>
-                  </a:prstClr>
-                </a:solidFill>
-              </a:rPr>
               <a:t>기능 설명</a:t>
             </a:r>
             <a:endParaRPr lang="en-US" altLang="ko-KR" sz="3000" b="1" i="1" kern="0" dirty="0">
@@ -19169,6 +19825,13 @@
   <p:clrMapOvr>
     <a:masterClrMapping/>
   </p:clrMapOvr>
+  <p:timing>
+    <p:tnLst>
+      <p:par>
+        <p:cTn id="1" dur="indefinite" restart="never" nodeType="tmRoot"/>
+      </p:par>
+    </p:tnLst>
+  </p:timing>
 </p:sld>
 </file>
 
@@ -19390,7 +20053,7 @@
         <p:spPr>
           <a:xfrm>
             <a:off x="892777" y="1738440"/>
-            <a:ext cx="5203224" cy="2959208"/>
+            <a:ext cx="5203224" cy="3647152"/>
           </a:xfrm>
           <a:prstGeom prst="rect">
             <a:avLst/>
@@ -19409,15 +20072,15 @@
               <a:buAutoNum type="arabicPeriod"/>
             </a:pPr>
             <a:r>
-              <a:rPr lang="en-US" altLang="ko-KR" sz="1400" dirty="0" err="1">
-                <a:solidFill>
-                  <a:prstClr val="black">
-                    <a:lumMod val="75000"/>
-                    <a:lumOff val="25000"/>
-                  </a:prstClr>
-                </a:solidFill>
-              </a:rPr>
-              <a:t>Tkinter</a:t>
+              <a:rPr lang="en-US" altLang="ko-KR" sz="1400" dirty="0" err="1" smtClean="0">
+                <a:solidFill>
+                  <a:prstClr val="black">
+                    <a:lumMod val="75000"/>
+                    <a:lumOff val="25000"/>
+                  </a:prstClr>
+                </a:solidFill>
+              </a:rPr>
+              <a:t>tkinter</a:t>
             </a:r>
             <a:r>
               <a:rPr lang="ko-KR" altLang="en-US" sz="1400" dirty="0">
@@ -19466,6 +20129,39 @@
               <a:buAutoNum type="arabicPeriod"/>
             </a:pPr>
             <a:r>
+              <a:rPr lang="en-US" altLang="ko-KR" sz="1400" dirty="0" err="1">
+                <a:solidFill>
+                  <a:prstClr val="black">
+                    <a:lumMod val="75000"/>
+                    <a:lumOff val="25000"/>
+                  </a:prstClr>
+                </a:solidFill>
+              </a:rPr>
+              <a:t>beautifulSoup</a:t>
+            </a:r>
+            <a:r>
+              <a:rPr lang="en-US" altLang="ko-KR" sz="1400" dirty="0">
+                <a:solidFill>
+                  <a:prstClr val="black">
+                    <a:lumMod val="75000"/>
+                    <a:lumOff val="25000"/>
+                  </a:prstClr>
+                </a:solidFill>
+              </a:rPr>
+              <a:t> </a:t>
+            </a:r>
+            <a:r>
+              <a:rPr lang="ko-KR" altLang="en-US" sz="1400" dirty="0" smtClean="0">
+                <a:solidFill>
+                  <a:prstClr val="black">
+                    <a:lumMod val="75000"/>
+                    <a:lumOff val="25000"/>
+                  </a:prstClr>
+                </a:solidFill>
+              </a:rPr>
+              <a:t>모듈을 사용하여 국내 </a:t>
+            </a:r>
+            <a:r>
               <a:rPr lang="ko-KR" altLang="en-US" sz="1400" dirty="0">
                 <a:solidFill>
                   <a:prstClr val="black">
@@ -19474,7 +20170,7 @@
                   </a:prstClr>
                 </a:solidFill>
               </a:rPr>
-              <a:t>국내 코로나에 관한 오픈 </a:t>
+              <a:t>코로나에 관한 오픈 </a:t>
             </a:r>
             <a:r>
               <a:rPr lang="en-US" altLang="ko-KR" sz="1400" dirty="0">
@@ -19635,6 +20331,28 @@
               <a:buAutoNum type="arabicPeriod"/>
             </a:pPr>
             <a:r>
+              <a:rPr lang="en-US" altLang="ko-KR" sz="1400" dirty="0" err="1" smtClean="0">
+                <a:solidFill>
+                  <a:prstClr val="black">
+                    <a:lumMod val="75000"/>
+                    <a:lumOff val="25000"/>
+                  </a:prstClr>
+                </a:solidFill>
+              </a:rPr>
+              <a:t>matplotlib</a:t>
+            </a:r>
+            <a:r>
+              <a:rPr lang="ko-KR" altLang="en-US" sz="1400" dirty="0" smtClean="0">
+                <a:solidFill>
+                  <a:prstClr val="black">
+                    <a:lumMod val="75000"/>
+                    <a:lumOff val="25000"/>
+                  </a:prstClr>
+                </a:solidFill>
+              </a:rPr>
+              <a:t> 모듈을 이용해 국내 </a:t>
+            </a:r>
+            <a:r>
               <a:rPr lang="ko-KR" altLang="en-US" sz="1400" dirty="0">
                 <a:solidFill>
                   <a:prstClr val="black">
@@ -19643,7 +20361,7 @@
                   </a:prstClr>
                 </a:solidFill>
               </a:rPr>
-              <a:t>국내 시</a:t>
+              <a:t>시</a:t>
             </a:r>
             <a:r>
               <a:rPr lang="en-US" altLang="ko-KR" sz="1400" dirty="0">
@@ -19713,6 +20431,13 @@
   <p:clrMapOvr>
     <a:masterClrMapping/>
   </p:clrMapOvr>
+  <p:timing>
+    <p:tnLst>
+      <p:par>
+        <p:cTn id="1" dur="indefinite" restart="never" nodeType="tmRoot"/>
+      </p:par>
+    </p:tnLst>
+  </p:timing>
 </p:sld>
 </file>
 
@@ -19909,7 +20634,7 @@
         <p:spPr>
           <a:xfrm>
             <a:off x="892777" y="1738440"/>
-            <a:ext cx="5203224" cy="3605539"/>
+            <a:ext cx="5203224" cy="3970318"/>
           </a:xfrm>
           <a:prstGeom prst="rect">
             <a:avLst/>
@@ -19928,15 +20653,26 @@
               <a:buAutoNum type="arabicPeriod"/>
             </a:pPr>
             <a:r>
-              <a:rPr lang="en-US" altLang="ko-KR" sz="1400" dirty="0">
-                <a:solidFill>
-                  <a:prstClr val="black">
-                    <a:lumMod val="75000"/>
-                    <a:lumOff val="25000"/>
-                  </a:prstClr>
-                </a:solidFill>
-              </a:rPr>
-              <a:t>Json </a:t>
+              <a:rPr lang="en-US" altLang="ko-KR" sz="1400" dirty="0" err="1" smtClean="0">
+                <a:solidFill>
+                  <a:prstClr val="black">
+                    <a:lumMod val="75000"/>
+                    <a:lumOff val="25000"/>
+                  </a:prstClr>
+                </a:solidFill>
+              </a:rPr>
+              <a:t>Json</a:t>
+            </a:r>
+            <a:r>
+              <a:rPr lang="en-US" altLang="ko-KR" sz="1400" dirty="0" smtClean="0">
+                <a:solidFill>
+                  <a:prstClr val="black">
+                    <a:lumMod val="75000"/>
+                    <a:lumOff val="25000"/>
+                  </a:prstClr>
+                </a:solidFill>
+              </a:rPr>
+              <a:t> </a:t>
             </a:r>
             <a:r>
               <a:rPr lang="ko-KR" altLang="en-US" sz="1400" dirty="0">
@@ -19996,18 +20732,18 @@
               <a:buAutoNum type="arabicPeriod"/>
             </a:pPr>
             <a:r>
-              <a:rPr lang="en-US" altLang="ko-KR" sz="1400" dirty="0" err="1">
-                <a:solidFill>
-                  <a:prstClr val="black">
-                    <a:lumMod val="75000"/>
-                    <a:lumOff val="25000"/>
-                  </a:prstClr>
-                </a:solidFill>
-              </a:rPr>
-              <a:t>Tkinter</a:t>
-            </a:r>
-            <a:r>
-              <a:rPr lang="en-US" altLang="ko-KR" sz="1400" dirty="0">
+              <a:rPr lang="en-US" altLang="ko-KR" sz="1400" dirty="0" err="1" smtClean="0">
+                <a:solidFill>
+                  <a:prstClr val="black">
+                    <a:lumMod val="75000"/>
+                    <a:lumOff val="25000"/>
+                  </a:prstClr>
+                </a:solidFill>
+              </a:rPr>
+              <a:t>tkinter</a:t>
+            </a:r>
+            <a:r>
+              <a:rPr lang="en-US" altLang="ko-KR" sz="1400" dirty="0" smtClean="0">
                 <a:solidFill>
                   <a:prstClr val="black">
                     <a:lumMod val="75000"/>
@@ -20151,6 +20887,61 @@
               <a:buAutoNum type="arabicPeriod"/>
             </a:pPr>
             <a:r>
+              <a:rPr lang="en-US" altLang="ko-KR" sz="1400" dirty="0" err="1" smtClean="0">
+                <a:solidFill>
+                  <a:prstClr val="black">
+                    <a:lumMod val="75000"/>
+                    <a:lumOff val="25000"/>
+                  </a:prstClr>
+                </a:solidFill>
+              </a:rPr>
+              <a:t>webbrowser</a:t>
+            </a:r>
+            <a:r>
+              <a:rPr lang="en-US" altLang="ko-KR" sz="1400" dirty="0" smtClean="0">
+                <a:solidFill>
+                  <a:prstClr val="black">
+                    <a:lumMod val="75000"/>
+                    <a:lumOff val="25000"/>
+                  </a:prstClr>
+                </a:solidFill>
+              </a:rPr>
+              <a:t> </a:t>
+            </a:r>
+            <a:r>
+              <a:rPr lang="ko-KR" altLang="en-US" sz="1400" dirty="0" smtClean="0">
+                <a:solidFill>
+                  <a:prstClr val="black">
+                    <a:lumMod val="75000"/>
+                    <a:lumOff val="25000"/>
+                  </a:prstClr>
+                </a:solidFill>
+              </a:rPr>
+              <a:t>모듈로</a:t>
+            </a:r>
+            <a:r>
+              <a:rPr lang="en-US" altLang="ko-KR" sz="1400" dirty="0" smtClean="0">
+                <a:solidFill>
+                  <a:prstClr val="black">
+                    <a:lumMod val="75000"/>
+                    <a:lumOff val="25000"/>
+                  </a:prstClr>
+                </a:solidFill>
+              </a:rPr>
+              <a:t> </a:t>
+            </a:r>
+            <a:r>
+              <a:rPr lang="ko-KR" altLang="en-US" sz="1400" dirty="0" smtClean="0">
+                <a:solidFill>
+                  <a:prstClr val="black">
+                    <a:lumMod val="75000"/>
+                    <a:lumOff val="25000"/>
+                  </a:prstClr>
+                </a:solidFill>
+              </a:rPr>
+              <a:t>원하는 </a:t>
+            </a:r>
+            <a:r>
               <a:rPr lang="ko-KR" altLang="en-US" sz="1400" dirty="0">
                 <a:solidFill>
                   <a:prstClr val="black">
@@ -20159,32 +20950,43 @@
                   </a:prstClr>
                 </a:solidFill>
               </a:rPr>
-              <a:t>원하는 약국을 </a:t>
-            </a:r>
-            <a:r>
-              <a:rPr lang="ko-KR" altLang="en-US" sz="1400" dirty="0" err="1">
-                <a:solidFill>
-                  <a:prstClr val="black">
-                    <a:lumMod val="75000"/>
-                    <a:lumOff val="25000"/>
-                  </a:prstClr>
-                </a:solidFill>
-              </a:rPr>
-              <a:t>더블클릭하면</a:t>
-            </a:r>
-            <a:r>
-              <a:rPr lang="ko-KR" altLang="en-US" sz="1400" dirty="0">
-                <a:solidFill>
-                  <a:prstClr val="black">
-                    <a:lumMod val="75000"/>
-                    <a:lumOff val="25000"/>
-                  </a:prstClr>
-                </a:solidFill>
-              </a:rPr>
-              <a:t> 구글에 클릭한 약국의 주소를 검색하도록 하였습니다</a:t>
-            </a:r>
-            <a:r>
-              <a:rPr lang="en-US" altLang="ko-KR" sz="1400" dirty="0">
+              <a:t>약국을 더블클릭하면 구글에 클릭한 약국의 주소를 </a:t>
+            </a:r>
+            <a:r>
+              <a:rPr lang="ko-KR" altLang="en-US" sz="1400" dirty="0" smtClean="0">
+                <a:solidFill>
+                  <a:prstClr val="black">
+                    <a:lumMod val="75000"/>
+                    <a:lumOff val="25000"/>
+                  </a:prstClr>
+                </a:solidFill>
+              </a:rPr>
+              <a:t>검색하여 인터넷 창을 </a:t>
+            </a:r>
+            <a:r>
+              <a:rPr lang="ko-KR" altLang="en-US" sz="1400" dirty="0" err="1" smtClean="0">
+                <a:solidFill>
+                  <a:prstClr val="black">
+                    <a:lumMod val="75000"/>
+                    <a:lumOff val="25000"/>
+                  </a:prstClr>
+                </a:solidFill>
+              </a:rPr>
+              <a:t>띄우드록</a:t>
+            </a:r>
+            <a:r>
+              <a:rPr lang="ko-KR" altLang="en-US" sz="1400" dirty="0" smtClean="0">
+                <a:solidFill>
+                  <a:prstClr val="black">
+                    <a:lumMod val="75000"/>
+                    <a:lumOff val="25000"/>
+                  </a:prstClr>
+                </a:solidFill>
+              </a:rPr>
+              <a:t> 하였습니다</a:t>
+            </a:r>
+            <a:r>
+              <a:rPr lang="en-US" altLang="ko-KR" sz="1400" dirty="0" smtClean="0">
                 <a:solidFill>
                   <a:prstClr val="black">
                     <a:lumMod val="75000"/>
@@ -20194,6 +20996,14 @@
               </a:rPr>
               <a:t>.</a:t>
             </a:r>
+            <a:endParaRPr lang="en-US" altLang="ko-KR" sz="1400" dirty="0">
+              <a:solidFill>
+                <a:prstClr val="black">
+                  <a:lumMod val="75000"/>
+                  <a:lumOff val="25000"/>
+                </a:prstClr>
+              </a:solidFill>
+            </a:endParaRPr>
           </a:p>
         </p:txBody>
       </p:sp>
@@ -20237,6 +21047,13 @@
   <p:clrMapOvr>
     <a:masterClrMapping/>
   </p:clrMapOvr>
+  <p:timing>
+    <p:tnLst>
+      <p:par>
+        <p:cTn id="1" dur="indefinite" restart="never" nodeType="tmRoot"/>
+      </p:par>
+    </p:tnLst>
+  </p:timing>
 </p:sld>
 </file>
 
@@ -20440,8 +21257,8 @@
         </p:blipFill>
         <p:spPr>
           <a:xfrm>
-            <a:off x="6096000" y="1738440"/>
-            <a:ext cx="4334872" cy="2875501"/>
+            <a:off x="6096000" y="1738441"/>
+            <a:ext cx="4334872" cy="2594430"/>
           </a:xfrm>
           <a:prstGeom prst="rect">
             <a:avLst/>
@@ -20470,7 +21287,7 @@
         </p:blipFill>
         <p:spPr>
           <a:xfrm>
-            <a:off x="6096000" y="4738176"/>
+            <a:off x="6095999" y="4364412"/>
             <a:ext cx="4608352" cy="1211606"/>
           </a:xfrm>
           <a:prstGeom prst="rect">
@@ -20492,7 +21309,7 @@
         </p:nvSpPr>
         <p:spPr>
           <a:xfrm>
-            <a:off x="988487" y="5436064"/>
+            <a:off x="6095999" y="5574350"/>
             <a:ext cx="5011803" cy="861774"/>
           </a:xfrm>
           <a:prstGeom prst="rect">
@@ -20534,7 +21351,7 @@
         <p:spPr>
           <a:xfrm>
             <a:off x="892777" y="1738440"/>
-            <a:ext cx="5203224" cy="3605539"/>
+            <a:ext cx="5203224" cy="4293483"/>
           </a:xfrm>
           <a:prstGeom prst="rect">
             <a:avLst/>
@@ -20632,6 +21449,39 @@
               <a:buAutoNum type="arabicPeriod"/>
             </a:pPr>
             <a:r>
+              <a:rPr lang="en-US" altLang="ko-KR" sz="1400" dirty="0" err="1" smtClean="0">
+                <a:solidFill>
+                  <a:prstClr val="black">
+                    <a:lumMod val="75000"/>
+                    <a:lumOff val="25000"/>
+                  </a:prstClr>
+                </a:solidFill>
+              </a:rPr>
+              <a:t>tkinter</a:t>
+            </a:r>
+            <a:r>
+              <a:rPr lang="en-US" altLang="ko-KR" sz="1400" dirty="0" smtClean="0">
+                <a:solidFill>
+                  <a:prstClr val="black">
+                    <a:lumMod val="75000"/>
+                    <a:lumOff val="25000"/>
+                  </a:prstClr>
+                </a:solidFill>
+              </a:rPr>
+              <a:t> </a:t>
+            </a:r>
+            <a:r>
+              <a:rPr lang="ko-KR" altLang="en-US" sz="1400" dirty="0" smtClean="0">
+                <a:solidFill>
+                  <a:prstClr val="black">
+                    <a:lumMod val="75000"/>
+                    <a:lumOff val="25000"/>
+                  </a:prstClr>
+                </a:solidFill>
+              </a:rPr>
+              <a:t>모듈을 이용하여 주소를 </a:t>
+            </a:r>
+            <a:r>
               <a:rPr lang="ko-KR" altLang="en-US" sz="1400" dirty="0">
                 <a:solidFill>
                   <a:prstClr val="black">
@@ -20640,7 +21490,7 @@
                   </a:prstClr>
                 </a:solidFill>
               </a:rPr>
-              <a:t>주소를 입력 받을 수 있는 칸과 입력 후 검색을 누르면 주변 병원 리스트를 보여주도록 하였습니다</a:t>
+              <a:t>입력 받을 수 있는 칸과 입력 후 검색을 누르면 주변 병원 리스트를 보여주도록 하였습니다</a:t>
             </a:r>
             <a:r>
               <a:rPr lang="en-US" altLang="ko-KR" sz="1400" dirty="0">
@@ -20706,7 +21556,73 @@
                   </a:prstClr>
                 </a:solidFill>
               </a:rPr>
-              <a:t>를 클릭하면 서비스가 지원하지 않는다고 합니다</a:t>
+              <a:t>를 클릭하면 서비스가 </a:t>
+            </a:r>
+            <a:r>
+              <a:rPr lang="en-US" altLang="ko-KR" sz="1400" dirty="0" err="1" smtClean="0">
+                <a:solidFill>
+                  <a:prstClr val="black">
+                    <a:lumMod val="75000"/>
+                    <a:lumOff val="25000"/>
+                  </a:prstClr>
+                </a:solidFill>
+              </a:rPr>
+              <a:t>api</a:t>
+            </a:r>
+            <a:r>
+              <a:rPr lang="en-US" altLang="ko-KR" sz="1400" dirty="0" smtClean="0">
+                <a:solidFill>
+                  <a:prstClr val="black">
+                    <a:lumMod val="75000"/>
+                    <a:lumOff val="25000"/>
+                  </a:prstClr>
+                </a:solidFill>
+              </a:rPr>
+              <a:t> </a:t>
+            </a:r>
+            <a:r>
+              <a:rPr lang="ko-KR" altLang="en-US" sz="1400" dirty="0" smtClean="0">
+                <a:solidFill>
+                  <a:prstClr val="black">
+                    <a:lumMod val="75000"/>
+                    <a:lumOff val="25000"/>
+                  </a:prstClr>
+                </a:solidFill>
+              </a:rPr>
+              <a:t>문제로 보여드리지 못한 점</a:t>
+            </a:r>
+            <a:r>
+              <a:rPr lang="ko-KR" altLang="en-US" sz="1400" dirty="0" smtClean="0">
+                <a:solidFill>
+                  <a:prstClr val="black">
+                    <a:lumMod val="75000"/>
+                    <a:lumOff val="25000"/>
+                  </a:prstClr>
+                </a:solidFill>
+              </a:rPr>
+              <a:t> 정말 아쉽습니다</a:t>
+            </a:r>
+            <a:r>
+              <a:rPr lang="en-US" altLang="ko-KR" sz="1400" dirty="0" smtClean="0">
+                <a:solidFill>
+                  <a:prstClr val="black">
+                    <a:lumMod val="75000"/>
+                    <a:lumOff val="25000"/>
+                  </a:prstClr>
+                </a:solidFill>
+              </a:rPr>
+              <a:t>.</a:t>
+            </a:r>
+            <a:r>
+              <a:rPr lang="ko-KR" altLang="en-US" sz="1400" dirty="0">
+                <a:solidFill>
+                  <a:prstClr val="black">
+                    <a:lumMod val="75000"/>
+                    <a:lumOff val="25000"/>
+                  </a:prstClr>
+                </a:solidFill>
+              </a:rPr>
+              <a:t> 지원하지 않는다고 합니다</a:t>
             </a:r>
             <a:r>
               <a:rPr lang="en-US" altLang="ko-KR" sz="1400" dirty="0">
@@ -20728,10 +21644,32 @@
                   </a:prstClr>
                 </a:solidFill>
               </a:rPr>
-              <a:t>이전에는 잘 되었는데 가끔 오류가 있어서 현재 오류신청을 넣은 상태입니다</a:t>
-            </a:r>
-            <a:r>
-              <a:rPr lang="en-US" altLang="ko-KR" sz="1400" dirty="0">
+              <a:t>이전에는 잘 되었는데 가끔 오류가 있어서 현재 </a:t>
+            </a:r>
+            <a:r>
+              <a:rPr lang="ko-KR" altLang="en-US" sz="1400" dirty="0" smtClean="0">
+                <a:solidFill>
+                  <a:prstClr val="black">
+                    <a:lumMod val="75000"/>
+                    <a:lumOff val="25000"/>
+                  </a:prstClr>
+                </a:solidFill>
+              </a:rPr>
+              <a:t>오류 신청을 </a:t>
+            </a:r>
+            <a:r>
+              <a:rPr lang="ko-KR" altLang="en-US" sz="1400" dirty="0">
+                <a:solidFill>
+                  <a:prstClr val="black">
+                    <a:lumMod val="75000"/>
+                    <a:lumOff val="25000"/>
+                  </a:prstClr>
+                </a:solidFill>
+              </a:rPr>
+              <a:t>넣은 상태입니다</a:t>
+            </a:r>
+            <a:r>
+              <a:rPr lang="en-US" altLang="ko-KR" sz="1400" dirty="0" smtClean="0">
                 <a:solidFill>
                   <a:prstClr val="black">
                     <a:lumMod val="75000"/>
@@ -20741,6 +21679,14 @@
               </a:rPr>
               <a:t>.</a:t>
             </a:r>
+            <a:endParaRPr lang="en-US" altLang="ko-KR" sz="1400" dirty="0" smtClean="0">
+              <a:solidFill>
+                <a:prstClr val="black">
+                  <a:lumMod val="75000"/>
+                  <a:lumOff val="25000"/>
+                </a:prstClr>
+              </a:solidFill>
+            </a:endParaRPr>
           </a:p>
           <a:p>
             <a:pPr marL="342900" indent="-342900">
@@ -20766,6 +21712,39 @@
               <a:buAutoNum type="arabicPeriod"/>
             </a:pPr>
             <a:r>
+              <a:rPr lang="en-US" altLang="ko-KR" sz="1400" dirty="0" err="1" smtClean="0">
+                <a:solidFill>
+                  <a:prstClr val="black">
+                    <a:lumMod val="75000"/>
+                    <a:lumOff val="25000"/>
+                  </a:prstClr>
+                </a:solidFill>
+              </a:rPr>
+              <a:t>webbrowser</a:t>
+            </a:r>
+            <a:r>
+              <a:rPr lang="en-US" altLang="ko-KR" sz="1400" dirty="0" smtClean="0">
+                <a:solidFill>
+                  <a:prstClr val="black">
+                    <a:lumMod val="75000"/>
+                    <a:lumOff val="25000"/>
+                  </a:prstClr>
+                </a:solidFill>
+              </a:rPr>
+              <a:t> </a:t>
+            </a:r>
+            <a:r>
+              <a:rPr lang="ko-KR" altLang="en-US" sz="1400" dirty="0" smtClean="0">
+                <a:solidFill>
+                  <a:prstClr val="black">
+                    <a:lumMod val="75000"/>
+                    <a:lumOff val="25000"/>
+                  </a:prstClr>
+                </a:solidFill>
+              </a:rPr>
+              <a:t>모듈로 병원 </a:t>
+            </a:r>
+            <a:r>
               <a:rPr lang="ko-KR" altLang="en-US" sz="1400" dirty="0">
                 <a:solidFill>
                   <a:prstClr val="black">
@@ -20774,7 +21753,7 @@
                   </a:prstClr>
                 </a:solidFill>
               </a:rPr>
-              <a:t>병원 리스트에서 원하는 병원을 더블 클릭하면 네이버 지도로 병원에 위치를 알려주도록 하였습니다</a:t>
+              <a:t>리스트에서 원하는 병원을 더블 클릭하면 네이버 지도로 병원에 위치를 알려주도록 하였습니다</a:t>
             </a:r>
             <a:r>
               <a:rPr lang="en-US" altLang="ko-KR" sz="1400" dirty="0">
@@ -20800,6 +21779,13 @@
   <p:clrMapOvr>
     <a:masterClrMapping/>
   </p:clrMapOvr>
+  <p:timing>
+    <p:tnLst>
+      <p:par>
+        <p:cTn id="1" dur="indefinite" restart="never" nodeType="tmRoot"/>
+      </p:par>
+    </p:tnLst>
+  </p:timing>
 </p:sld>
 </file>
 
